--- a/oral_projet/revue_2/diaporama_revues_samuel.pptx
+++ b/oral_projet/revue_2/diaporama_revues_samuel.pptx
@@ -206,7 +206,7 @@
           <a:p>
             <a:fld id="{7BEC4371-174F-4615-858D-8B61BA547698}" type="datetimeFigureOut">
               <a:rPr lang="fr-FR" smtClean="0"/>
-              <a:t>06/02/2018</a:t>
+              <a:t>08/02/2018</a:t>
             </a:fld>
             <a:endParaRPr lang="fr-FR"/>
           </a:p>
@@ -620,7 +620,7 @@
           <a:p>
             <a:fld id="{125942D7-A464-4365-815E-3C7EAFC3F152}" type="datetimeFigureOut">
               <a:rPr lang="fr-FR" smtClean="0"/>
-              <a:t>06/02/2018</a:t>
+              <a:t>08/02/2018</a:t>
             </a:fld>
             <a:endParaRPr lang="fr-FR"/>
           </a:p>
@@ -830,7 +830,7 @@
           <a:p>
             <a:fld id="{125942D7-A464-4365-815E-3C7EAFC3F152}" type="datetimeFigureOut">
               <a:rPr lang="fr-FR" smtClean="0"/>
-              <a:t>06/02/2018</a:t>
+              <a:t>08/02/2018</a:t>
             </a:fld>
             <a:endParaRPr lang="fr-FR"/>
           </a:p>
@@ -1050,7 +1050,7 @@
           <a:p>
             <a:fld id="{125942D7-A464-4365-815E-3C7EAFC3F152}" type="datetimeFigureOut">
               <a:rPr lang="fr-FR" smtClean="0"/>
-              <a:t>06/02/2018</a:t>
+              <a:t>08/02/2018</a:t>
             </a:fld>
             <a:endParaRPr lang="fr-FR"/>
           </a:p>
@@ -1260,7 +1260,7 @@
           <a:p>
             <a:fld id="{125942D7-A464-4365-815E-3C7EAFC3F152}" type="datetimeFigureOut">
               <a:rPr lang="fr-FR" smtClean="0"/>
-              <a:t>06/02/2018</a:t>
+              <a:t>08/02/2018</a:t>
             </a:fld>
             <a:endParaRPr lang="fr-FR"/>
           </a:p>
@@ -1547,7 +1547,7 @@
           <a:p>
             <a:fld id="{125942D7-A464-4365-815E-3C7EAFC3F152}" type="datetimeFigureOut">
               <a:rPr lang="fr-FR" smtClean="0"/>
-              <a:t>06/02/2018</a:t>
+              <a:t>08/02/2018</a:t>
             </a:fld>
             <a:endParaRPr lang="fr-FR"/>
           </a:p>
@@ -1824,7 +1824,7 @@
           <a:p>
             <a:fld id="{125942D7-A464-4365-815E-3C7EAFC3F152}" type="datetimeFigureOut">
               <a:rPr lang="fr-FR" smtClean="0"/>
-              <a:t>06/02/2018</a:t>
+              <a:t>08/02/2018</a:t>
             </a:fld>
             <a:endParaRPr lang="fr-FR"/>
           </a:p>
@@ -2248,7 +2248,7 @@
           <a:p>
             <a:fld id="{125942D7-A464-4365-815E-3C7EAFC3F152}" type="datetimeFigureOut">
               <a:rPr lang="fr-FR" smtClean="0"/>
-              <a:t>06/02/2018</a:t>
+              <a:t>08/02/2018</a:t>
             </a:fld>
             <a:endParaRPr lang="fr-FR"/>
           </a:p>
@@ -2401,7 +2401,7 @@
           <a:p>
             <a:fld id="{125942D7-A464-4365-815E-3C7EAFC3F152}" type="datetimeFigureOut">
               <a:rPr lang="fr-FR" smtClean="0"/>
-              <a:t>06/02/2018</a:t>
+              <a:t>08/02/2018</a:t>
             </a:fld>
             <a:endParaRPr lang="fr-FR"/>
           </a:p>
@@ -2526,7 +2526,7 @@
           <a:p>
             <a:fld id="{125942D7-A464-4365-815E-3C7EAFC3F152}" type="datetimeFigureOut">
               <a:rPr lang="fr-FR" smtClean="0"/>
-              <a:t>06/02/2018</a:t>
+              <a:t>08/02/2018</a:t>
             </a:fld>
             <a:endParaRPr lang="fr-FR"/>
           </a:p>
@@ -2849,7 +2849,7 @@
           <a:p>
             <a:fld id="{125942D7-A464-4365-815E-3C7EAFC3F152}" type="datetimeFigureOut">
               <a:rPr lang="fr-FR" smtClean="0"/>
-              <a:t>06/02/2018</a:t>
+              <a:t>08/02/2018</a:t>
             </a:fld>
             <a:endParaRPr lang="fr-FR"/>
           </a:p>
@@ -3149,7 +3149,7 @@
           <a:p>
             <a:fld id="{125942D7-A464-4365-815E-3C7EAFC3F152}" type="datetimeFigureOut">
               <a:rPr lang="fr-FR" smtClean="0"/>
-              <a:t>06/02/2018</a:t>
+              <a:t>08/02/2018</a:t>
             </a:fld>
             <a:endParaRPr lang="fr-FR"/>
           </a:p>
@@ -3402,7 +3402,7 @@
           <a:p>
             <a:fld id="{125942D7-A464-4365-815E-3C7EAFC3F152}" type="datetimeFigureOut">
               <a:rPr lang="fr-FR" smtClean="0"/>
-              <a:t>06/02/2018</a:t>
+              <a:t>08/02/2018</a:t>
             </a:fld>
             <a:endParaRPr lang="fr-FR"/>
           </a:p>

--- a/oral_projet/revue_2/diaporama_revues_samuel.pptx
+++ b/oral_projet/revue_2/diaporama_revues_samuel.pptx
@@ -5,15 +5,16 @@
     <p:sldMasterId id="2147483648" r:id="rId1"/>
   </p:sldMasterIdLst>
   <p:notesMasterIdLst>
-    <p:notesMasterId r:id="rId8"/>
+    <p:notesMasterId r:id="rId9"/>
   </p:notesMasterIdLst>
   <p:sldIdLst>
     <p:sldId id="256" r:id="rId2"/>
     <p:sldId id="259" r:id="rId3"/>
     <p:sldId id="258" r:id="rId4"/>
-    <p:sldId id="260" r:id="rId5"/>
-    <p:sldId id="262" r:id="rId6"/>
-    <p:sldId id="263" r:id="rId7"/>
+    <p:sldId id="263" r:id="rId5"/>
+    <p:sldId id="260" r:id="rId6"/>
+    <p:sldId id="262" r:id="rId7"/>
+    <p:sldId id="264" r:id="rId8"/>
   </p:sldIdLst>
   <p:sldSz cx="12192000" cy="6858000"/>
   <p:notesSz cx="6858000" cy="9144000"/>
@@ -4512,14 +4513,14 @@
   <p:clrMapOvr>
     <a:masterClrMapping/>
   </p:clrMapOvr>
-  <mc:AlternateContent xmlns:mc="http://schemas.openxmlformats.org/markup-compatibility/2006" xmlns:p14="http://schemas.microsoft.com/office/powerpoint/2010/main">
-    <mc:Choice Requires="p14">
-      <p:transition spd="slow">
+  <mc:AlternateContent xmlns:mc="http://schemas.openxmlformats.org/markup-compatibility/2006">
+    <mc:Choice xmlns:p14="http://schemas.microsoft.com/office/powerpoint/2010/main" Requires="p14">
+      <p:transition>
         <p14:reveal/>
       </p:transition>
     </mc:Choice>
-    <mc:Fallback xmlns="">
-      <p:transition spd="slow">
+    <mc:Fallback>
+      <p:transition>
         <p:fade/>
       </p:transition>
     </mc:Fallback>
@@ -5828,18 +5829,1078 @@
   <p:clrMapOvr>
     <a:masterClrMapping/>
   </p:clrMapOvr>
-  <mc:AlternateContent xmlns:mc="http://schemas.openxmlformats.org/markup-compatibility/2006" xmlns:p14="http://schemas.microsoft.com/office/powerpoint/2010/main">
-    <mc:Choice Requires="p14">
-      <p:transition spd="slow" p14:dur="3400">
+  <mc:AlternateContent xmlns:mc="http://schemas.openxmlformats.org/markup-compatibility/2006">
+    <mc:Choice xmlns:p14="http://schemas.microsoft.com/office/powerpoint/2010/main" Requires="p14">
+      <p:transition spd="med">
         <p14:reveal/>
       </p:transition>
     </mc:Choice>
-    <mc:Fallback xmlns="">
-      <p:transition spd="slow">
+    <mc:Fallback>
+      <p:transition spd="med">
         <p:fade/>
       </p:transition>
     </mc:Fallback>
   </mc:AlternateContent>
+  <p:timing>
+    <p:tnLst>
+      <p:par>
+        <p:cTn id="1" dur="indefinite" restart="never" nodeType="tmRoot">
+          <p:childTnLst>
+            <p:seq concurrent="1" nextAc="seek">
+              <p:cTn id="2" dur="indefinite" nodeType="mainSeq">
+                <p:childTnLst>
+                  <p:par>
+                    <p:cTn id="3" fill="hold">
+                      <p:stCondLst>
+                        <p:cond delay="indefinite"/>
+                      </p:stCondLst>
+                      <p:childTnLst>
+                        <p:par>
+                          <p:cTn id="4" fill="hold">
+                            <p:stCondLst>
+                              <p:cond delay="0"/>
+                            </p:stCondLst>
+                            <p:childTnLst>
+                              <p:par>
+                                <p:cTn id="5" presetID="42" presetClass="entr" presetSubtype="0" fill="hold" nodeType="clickEffect">
+                                  <p:stCondLst>
+                                    <p:cond delay="0"/>
+                                  </p:stCondLst>
+                                  <p:childTnLst>
+                                    <p:set>
+                                      <p:cBhvr>
+                                        <p:cTn id="6" dur="1" fill="hold">
+                                          <p:stCondLst>
+                                            <p:cond delay="0"/>
+                                          </p:stCondLst>
+                                        </p:cTn>
+                                        <p:tgtEl>
+                                          <p:spTgt spid="67"/>
+                                        </p:tgtEl>
+                                        <p:attrNameLst>
+                                          <p:attrName>style.visibility</p:attrName>
+                                        </p:attrNameLst>
+                                      </p:cBhvr>
+                                      <p:to>
+                                        <p:strVal val="visible"/>
+                                      </p:to>
+                                    </p:set>
+                                    <p:animEffect transition="in" filter="fade">
+                                      <p:cBhvr>
+                                        <p:cTn id="7" dur="1000"/>
+                                        <p:tgtEl>
+                                          <p:spTgt spid="67"/>
+                                        </p:tgtEl>
+                                      </p:cBhvr>
+                                    </p:animEffect>
+                                    <p:anim calcmode="lin" valueType="num">
+                                      <p:cBhvr>
+                                        <p:cTn id="8" dur="1000" fill="hold"/>
+                                        <p:tgtEl>
+                                          <p:spTgt spid="67"/>
+                                        </p:tgtEl>
+                                        <p:attrNameLst>
+                                          <p:attrName>ppt_x</p:attrName>
+                                        </p:attrNameLst>
+                                      </p:cBhvr>
+                                      <p:tavLst>
+                                        <p:tav tm="0">
+                                          <p:val>
+                                            <p:strVal val="#ppt_x"/>
+                                          </p:val>
+                                        </p:tav>
+                                        <p:tav tm="100000">
+                                          <p:val>
+                                            <p:strVal val="#ppt_x"/>
+                                          </p:val>
+                                        </p:tav>
+                                      </p:tavLst>
+                                    </p:anim>
+                                    <p:anim calcmode="lin" valueType="num">
+                                      <p:cBhvr>
+                                        <p:cTn id="9" dur="1000" fill="hold"/>
+                                        <p:tgtEl>
+                                          <p:spTgt spid="67"/>
+                                        </p:tgtEl>
+                                        <p:attrNameLst>
+                                          <p:attrName>ppt_y</p:attrName>
+                                        </p:attrNameLst>
+                                      </p:cBhvr>
+                                      <p:tavLst>
+                                        <p:tav tm="0">
+                                          <p:val>
+                                            <p:strVal val="#ppt_y+.1"/>
+                                          </p:val>
+                                        </p:tav>
+                                        <p:tav tm="100000">
+                                          <p:val>
+                                            <p:strVal val="#ppt_y"/>
+                                          </p:val>
+                                        </p:tav>
+                                      </p:tavLst>
+                                    </p:anim>
+                                  </p:childTnLst>
+                                </p:cTn>
+                              </p:par>
+                              <p:par>
+                                <p:cTn id="10" presetID="42" presetClass="entr" presetSubtype="0" fill="hold" grpId="0" nodeType="withEffect">
+                                  <p:stCondLst>
+                                    <p:cond delay="0"/>
+                                  </p:stCondLst>
+                                  <p:childTnLst>
+                                    <p:set>
+                                      <p:cBhvr>
+                                        <p:cTn id="11" dur="1" fill="hold">
+                                          <p:stCondLst>
+                                            <p:cond delay="0"/>
+                                          </p:stCondLst>
+                                        </p:cTn>
+                                        <p:tgtEl>
+                                          <p:spTgt spid="68"/>
+                                        </p:tgtEl>
+                                        <p:attrNameLst>
+                                          <p:attrName>style.visibility</p:attrName>
+                                        </p:attrNameLst>
+                                      </p:cBhvr>
+                                      <p:to>
+                                        <p:strVal val="visible"/>
+                                      </p:to>
+                                    </p:set>
+                                    <p:animEffect transition="in" filter="fade">
+                                      <p:cBhvr>
+                                        <p:cTn id="12" dur="1000"/>
+                                        <p:tgtEl>
+                                          <p:spTgt spid="68"/>
+                                        </p:tgtEl>
+                                      </p:cBhvr>
+                                    </p:animEffect>
+                                    <p:anim calcmode="lin" valueType="num">
+                                      <p:cBhvr>
+                                        <p:cTn id="13" dur="1000" fill="hold"/>
+                                        <p:tgtEl>
+                                          <p:spTgt spid="68"/>
+                                        </p:tgtEl>
+                                        <p:attrNameLst>
+                                          <p:attrName>ppt_x</p:attrName>
+                                        </p:attrNameLst>
+                                      </p:cBhvr>
+                                      <p:tavLst>
+                                        <p:tav tm="0">
+                                          <p:val>
+                                            <p:strVal val="#ppt_x"/>
+                                          </p:val>
+                                        </p:tav>
+                                        <p:tav tm="100000">
+                                          <p:val>
+                                            <p:strVal val="#ppt_x"/>
+                                          </p:val>
+                                        </p:tav>
+                                      </p:tavLst>
+                                    </p:anim>
+                                    <p:anim calcmode="lin" valueType="num">
+                                      <p:cBhvr>
+                                        <p:cTn id="14" dur="1000" fill="hold"/>
+                                        <p:tgtEl>
+                                          <p:spTgt spid="68"/>
+                                        </p:tgtEl>
+                                        <p:attrNameLst>
+                                          <p:attrName>ppt_y</p:attrName>
+                                        </p:attrNameLst>
+                                      </p:cBhvr>
+                                      <p:tavLst>
+                                        <p:tav tm="0">
+                                          <p:val>
+                                            <p:strVal val="#ppt_y+.1"/>
+                                          </p:val>
+                                        </p:tav>
+                                        <p:tav tm="100000">
+                                          <p:val>
+                                            <p:strVal val="#ppt_y"/>
+                                          </p:val>
+                                        </p:tav>
+                                      </p:tavLst>
+                                    </p:anim>
+                                  </p:childTnLst>
+                                </p:cTn>
+                              </p:par>
+                            </p:childTnLst>
+                          </p:cTn>
+                        </p:par>
+                      </p:childTnLst>
+                    </p:cTn>
+                  </p:par>
+                  <p:par>
+                    <p:cTn id="15" fill="hold">
+                      <p:stCondLst>
+                        <p:cond delay="indefinite"/>
+                      </p:stCondLst>
+                      <p:childTnLst>
+                        <p:par>
+                          <p:cTn id="16" fill="hold">
+                            <p:stCondLst>
+                              <p:cond delay="0"/>
+                            </p:stCondLst>
+                            <p:childTnLst>
+                              <p:par>
+                                <p:cTn id="17" presetID="42" presetClass="entr" presetSubtype="0" fill="hold" nodeType="clickEffect">
+                                  <p:stCondLst>
+                                    <p:cond delay="0"/>
+                                  </p:stCondLst>
+                                  <p:childTnLst>
+                                    <p:set>
+                                      <p:cBhvr>
+                                        <p:cTn id="18" dur="1" fill="hold">
+                                          <p:stCondLst>
+                                            <p:cond delay="0"/>
+                                          </p:stCondLst>
+                                        </p:cTn>
+                                        <p:tgtEl>
+                                          <p:spTgt spid="78"/>
+                                        </p:tgtEl>
+                                        <p:attrNameLst>
+                                          <p:attrName>style.visibility</p:attrName>
+                                        </p:attrNameLst>
+                                      </p:cBhvr>
+                                      <p:to>
+                                        <p:strVal val="visible"/>
+                                      </p:to>
+                                    </p:set>
+                                    <p:animEffect transition="in" filter="fade">
+                                      <p:cBhvr>
+                                        <p:cTn id="19" dur="1000"/>
+                                        <p:tgtEl>
+                                          <p:spTgt spid="78"/>
+                                        </p:tgtEl>
+                                      </p:cBhvr>
+                                    </p:animEffect>
+                                    <p:anim calcmode="lin" valueType="num">
+                                      <p:cBhvr>
+                                        <p:cTn id="20" dur="1000" fill="hold"/>
+                                        <p:tgtEl>
+                                          <p:spTgt spid="78"/>
+                                        </p:tgtEl>
+                                        <p:attrNameLst>
+                                          <p:attrName>ppt_x</p:attrName>
+                                        </p:attrNameLst>
+                                      </p:cBhvr>
+                                      <p:tavLst>
+                                        <p:tav tm="0">
+                                          <p:val>
+                                            <p:strVal val="#ppt_x"/>
+                                          </p:val>
+                                        </p:tav>
+                                        <p:tav tm="100000">
+                                          <p:val>
+                                            <p:strVal val="#ppt_x"/>
+                                          </p:val>
+                                        </p:tav>
+                                      </p:tavLst>
+                                    </p:anim>
+                                    <p:anim calcmode="lin" valueType="num">
+                                      <p:cBhvr>
+                                        <p:cTn id="21" dur="1000" fill="hold"/>
+                                        <p:tgtEl>
+                                          <p:spTgt spid="78"/>
+                                        </p:tgtEl>
+                                        <p:attrNameLst>
+                                          <p:attrName>ppt_y</p:attrName>
+                                        </p:attrNameLst>
+                                      </p:cBhvr>
+                                      <p:tavLst>
+                                        <p:tav tm="0">
+                                          <p:val>
+                                            <p:strVal val="#ppt_y+.1"/>
+                                          </p:val>
+                                        </p:tav>
+                                        <p:tav tm="100000">
+                                          <p:val>
+                                            <p:strVal val="#ppt_y"/>
+                                          </p:val>
+                                        </p:tav>
+                                      </p:tavLst>
+                                    </p:anim>
+                                  </p:childTnLst>
+                                </p:cTn>
+                              </p:par>
+                              <p:par>
+                                <p:cTn id="22" presetID="42" presetClass="entr" presetSubtype="0" fill="hold" grpId="0" nodeType="withEffect">
+                                  <p:stCondLst>
+                                    <p:cond delay="0"/>
+                                  </p:stCondLst>
+                                  <p:childTnLst>
+                                    <p:set>
+                                      <p:cBhvr>
+                                        <p:cTn id="23" dur="1" fill="hold">
+                                          <p:stCondLst>
+                                            <p:cond delay="0"/>
+                                          </p:stCondLst>
+                                        </p:cTn>
+                                        <p:tgtEl>
+                                          <p:spTgt spid="69"/>
+                                        </p:tgtEl>
+                                        <p:attrNameLst>
+                                          <p:attrName>style.visibility</p:attrName>
+                                        </p:attrNameLst>
+                                      </p:cBhvr>
+                                      <p:to>
+                                        <p:strVal val="visible"/>
+                                      </p:to>
+                                    </p:set>
+                                    <p:animEffect transition="in" filter="fade">
+                                      <p:cBhvr>
+                                        <p:cTn id="24" dur="1000"/>
+                                        <p:tgtEl>
+                                          <p:spTgt spid="69"/>
+                                        </p:tgtEl>
+                                      </p:cBhvr>
+                                    </p:animEffect>
+                                    <p:anim calcmode="lin" valueType="num">
+                                      <p:cBhvr>
+                                        <p:cTn id="25" dur="1000" fill="hold"/>
+                                        <p:tgtEl>
+                                          <p:spTgt spid="69"/>
+                                        </p:tgtEl>
+                                        <p:attrNameLst>
+                                          <p:attrName>ppt_x</p:attrName>
+                                        </p:attrNameLst>
+                                      </p:cBhvr>
+                                      <p:tavLst>
+                                        <p:tav tm="0">
+                                          <p:val>
+                                            <p:strVal val="#ppt_x"/>
+                                          </p:val>
+                                        </p:tav>
+                                        <p:tav tm="100000">
+                                          <p:val>
+                                            <p:strVal val="#ppt_x"/>
+                                          </p:val>
+                                        </p:tav>
+                                      </p:tavLst>
+                                    </p:anim>
+                                    <p:anim calcmode="lin" valueType="num">
+                                      <p:cBhvr>
+                                        <p:cTn id="26" dur="1000" fill="hold"/>
+                                        <p:tgtEl>
+                                          <p:spTgt spid="69"/>
+                                        </p:tgtEl>
+                                        <p:attrNameLst>
+                                          <p:attrName>ppt_y</p:attrName>
+                                        </p:attrNameLst>
+                                      </p:cBhvr>
+                                      <p:tavLst>
+                                        <p:tav tm="0">
+                                          <p:val>
+                                            <p:strVal val="#ppt_y+.1"/>
+                                          </p:val>
+                                        </p:tav>
+                                        <p:tav tm="100000">
+                                          <p:val>
+                                            <p:strVal val="#ppt_y"/>
+                                          </p:val>
+                                        </p:tav>
+                                      </p:tavLst>
+                                    </p:anim>
+                                  </p:childTnLst>
+                                </p:cTn>
+                              </p:par>
+                              <p:par>
+                                <p:cTn id="27" presetID="42" presetClass="entr" presetSubtype="0" fill="hold" nodeType="withEffect">
+                                  <p:stCondLst>
+                                    <p:cond delay="0"/>
+                                  </p:stCondLst>
+                                  <p:childTnLst>
+                                    <p:set>
+                                      <p:cBhvr>
+                                        <p:cTn id="28" dur="1" fill="hold">
+                                          <p:stCondLst>
+                                            <p:cond delay="0"/>
+                                          </p:stCondLst>
+                                        </p:cTn>
+                                        <p:tgtEl>
+                                          <p:spTgt spid="74"/>
+                                        </p:tgtEl>
+                                        <p:attrNameLst>
+                                          <p:attrName>style.visibility</p:attrName>
+                                        </p:attrNameLst>
+                                      </p:cBhvr>
+                                      <p:to>
+                                        <p:strVal val="visible"/>
+                                      </p:to>
+                                    </p:set>
+                                    <p:animEffect transition="in" filter="fade">
+                                      <p:cBhvr>
+                                        <p:cTn id="29" dur="1000"/>
+                                        <p:tgtEl>
+                                          <p:spTgt spid="74"/>
+                                        </p:tgtEl>
+                                      </p:cBhvr>
+                                    </p:animEffect>
+                                    <p:anim calcmode="lin" valueType="num">
+                                      <p:cBhvr>
+                                        <p:cTn id="30" dur="1000" fill="hold"/>
+                                        <p:tgtEl>
+                                          <p:spTgt spid="74"/>
+                                        </p:tgtEl>
+                                        <p:attrNameLst>
+                                          <p:attrName>ppt_x</p:attrName>
+                                        </p:attrNameLst>
+                                      </p:cBhvr>
+                                      <p:tavLst>
+                                        <p:tav tm="0">
+                                          <p:val>
+                                            <p:strVal val="#ppt_x"/>
+                                          </p:val>
+                                        </p:tav>
+                                        <p:tav tm="100000">
+                                          <p:val>
+                                            <p:strVal val="#ppt_x"/>
+                                          </p:val>
+                                        </p:tav>
+                                      </p:tavLst>
+                                    </p:anim>
+                                    <p:anim calcmode="lin" valueType="num">
+                                      <p:cBhvr>
+                                        <p:cTn id="31" dur="1000" fill="hold"/>
+                                        <p:tgtEl>
+                                          <p:spTgt spid="74"/>
+                                        </p:tgtEl>
+                                        <p:attrNameLst>
+                                          <p:attrName>ppt_y</p:attrName>
+                                        </p:attrNameLst>
+                                      </p:cBhvr>
+                                      <p:tavLst>
+                                        <p:tav tm="0">
+                                          <p:val>
+                                            <p:strVal val="#ppt_y+.1"/>
+                                          </p:val>
+                                        </p:tav>
+                                        <p:tav tm="100000">
+                                          <p:val>
+                                            <p:strVal val="#ppt_y"/>
+                                          </p:val>
+                                        </p:tav>
+                                      </p:tavLst>
+                                    </p:anim>
+                                  </p:childTnLst>
+                                </p:cTn>
+                              </p:par>
+                              <p:par>
+                                <p:cTn id="32" presetID="42" presetClass="entr" presetSubtype="0" fill="hold" nodeType="withEffect">
+                                  <p:stCondLst>
+                                    <p:cond delay="0"/>
+                                  </p:stCondLst>
+                                  <p:childTnLst>
+                                    <p:set>
+                                      <p:cBhvr>
+                                        <p:cTn id="33" dur="1" fill="hold">
+                                          <p:stCondLst>
+                                            <p:cond delay="0"/>
+                                          </p:stCondLst>
+                                        </p:cTn>
+                                        <p:tgtEl>
+                                          <p:spTgt spid="75"/>
+                                        </p:tgtEl>
+                                        <p:attrNameLst>
+                                          <p:attrName>style.visibility</p:attrName>
+                                        </p:attrNameLst>
+                                      </p:cBhvr>
+                                      <p:to>
+                                        <p:strVal val="visible"/>
+                                      </p:to>
+                                    </p:set>
+                                    <p:animEffect transition="in" filter="fade">
+                                      <p:cBhvr>
+                                        <p:cTn id="34" dur="1000"/>
+                                        <p:tgtEl>
+                                          <p:spTgt spid="75"/>
+                                        </p:tgtEl>
+                                      </p:cBhvr>
+                                    </p:animEffect>
+                                    <p:anim calcmode="lin" valueType="num">
+                                      <p:cBhvr>
+                                        <p:cTn id="35" dur="1000" fill="hold"/>
+                                        <p:tgtEl>
+                                          <p:spTgt spid="75"/>
+                                        </p:tgtEl>
+                                        <p:attrNameLst>
+                                          <p:attrName>ppt_x</p:attrName>
+                                        </p:attrNameLst>
+                                      </p:cBhvr>
+                                      <p:tavLst>
+                                        <p:tav tm="0">
+                                          <p:val>
+                                            <p:strVal val="#ppt_x"/>
+                                          </p:val>
+                                        </p:tav>
+                                        <p:tav tm="100000">
+                                          <p:val>
+                                            <p:strVal val="#ppt_x"/>
+                                          </p:val>
+                                        </p:tav>
+                                      </p:tavLst>
+                                    </p:anim>
+                                    <p:anim calcmode="lin" valueType="num">
+                                      <p:cBhvr>
+                                        <p:cTn id="36" dur="1000" fill="hold"/>
+                                        <p:tgtEl>
+                                          <p:spTgt spid="75"/>
+                                        </p:tgtEl>
+                                        <p:attrNameLst>
+                                          <p:attrName>ppt_y</p:attrName>
+                                        </p:attrNameLst>
+                                      </p:cBhvr>
+                                      <p:tavLst>
+                                        <p:tav tm="0">
+                                          <p:val>
+                                            <p:strVal val="#ppt_y+.1"/>
+                                          </p:val>
+                                        </p:tav>
+                                        <p:tav tm="100000">
+                                          <p:val>
+                                            <p:strVal val="#ppt_y"/>
+                                          </p:val>
+                                        </p:tav>
+                                      </p:tavLst>
+                                    </p:anim>
+                                  </p:childTnLst>
+                                </p:cTn>
+                              </p:par>
+                              <p:par>
+                                <p:cTn id="37" presetID="42" presetClass="entr" presetSubtype="0" fill="hold" nodeType="withEffect">
+                                  <p:stCondLst>
+                                    <p:cond delay="0"/>
+                                  </p:stCondLst>
+                                  <p:childTnLst>
+                                    <p:set>
+                                      <p:cBhvr>
+                                        <p:cTn id="38" dur="1" fill="hold">
+                                          <p:stCondLst>
+                                            <p:cond delay="0"/>
+                                          </p:stCondLst>
+                                        </p:cTn>
+                                        <p:tgtEl>
+                                          <p:spTgt spid="76"/>
+                                        </p:tgtEl>
+                                        <p:attrNameLst>
+                                          <p:attrName>style.visibility</p:attrName>
+                                        </p:attrNameLst>
+                                      </p:cBhvr>
+                                      <p:to>
+                                        <p:strVal val="visible"/>
+                                      </p:to>
+                                    </p:set>
+                                    <p:animEffect transition="in" filter="fade">
+                                      <p:cBhvr>
+                                        <p:cTn id="39" dur="1000"/>
+                                        <p:tgtEl>
+                                          <p:spTgt spid="76"/>
+                                        </p:tgtEl>
+                                      </p:cBhvr>
+                                    </p:animEffect>
+                                    <p:anim calcmode="lin" valueType="num">
+                                      <p:cBhvr>
+                                        <p:cTn id="40" dur="1000" fill="hold"/>
+                                        <p:tgtEl>
+                                          <p:spTgt spid="76"/>
+                                        </p:tgtEl>
+                                        <p:attrNameLst>
+                                          <p:attrName>ppt_x</p:attrName>
+                                        </p:attrNameLst>
+                                      </p:cBhvr>
+                                      <p:tavLst>
+                                        <p:tav tm="0">
+                                          <p:val>
+                                            <p:strVal val="#ppt_x"/>
+                                          </p:val>
+                                        </p:tav>
+                                        <p:tav tm="100000">
+                                          <p:val>
+                                            <p:strVal val="#ppt_x"/>
+                                          </p:val>
+                                        </p:tav>
+                                      </p:tavLst>
+                                    </p:anim>
+                                    <p:anim calcmode="lin" valueType="num">
+                                      <p:cBhvr>
+                                        <p:cTn id="41" dur="1000" fill="hold"/>
+                                        <p:tgtEl>
+                                          <p:spTgt spid="76"/>
+                                        </p:tgtEl>
+                                        <p:attrNameLst>
+                                          <p:attrName>ppt_y</p:attrName>
+                                        </p:attrNameLst>
+                                      </p:cBhvr>
+                                      <p:tavLst>
+                                        <p:tav tm="0">
+                                          <p:val>
+                                            <p:strVal val="#ppt_y+.1"/>
+                                          </p:val>
+                                        </p:tav>
+                                        <p:tav tm="100000">
+                                          <p:val>
+                                            <p:strVal val="#ppt_y"/>
+                                          </p:val>
+                                        </p:tav>
+                                      </p:tavLst>
+                                    </p:anim>
+                                  </p:childTnLst>
+                                </p:cTn>
+                              </p:par>
+                              <p:par>
+                                <p:cTn id="42" presetID="42" presetClass="entr" presetSubtype="0" fill="hold" nodeType="withEffect">
+                                  <p:stCondLst>
+                                    <p:cond delay="0"/>
+                                  </p:stCondLst>
+                                  <p:childTnLst>
+                                    <p:set>
+                                      <p:cBhvr>
+                                        <p:cTn id="43" dur="1" fill="hold">
+                                          <p:stCondLst>
+                                            <p:cond delay="0"/>
+                                          </p:stCondLst>
+                                        </p:cTn>
+                                        <p:tgtEl>
+                                          <p:spTgt spid="77"/>
+                                        </p:tgtEl>
+                                        <p:attrNameLst>
+                                          <p:attrName>style.visibility</p:attrName>
+                                        </p:attrNameLst>
+                                      </p:cBhvr>
+                                      <p:to>
+                                        <p:strVal val="visible"/>
+                                      </p:to>
+                                    </p:set>
+                                    <p:animEffect transition="in" filter="fade">
+                                      <p:cBhvr>
+                                        <p:cTn id="44" dur="1000"/>
+                                        <p:tgtEl>
+                                          <p:spTgt spid="77"/>
+                                        </p:tgtEl>
+                                      </p:cBhvr>
+                                    </p:animEffect>
+                                    <p:anim calcmode="lin" valueType="num">
+                                      <p:cBhvr>
+                                        <p:cTn id="45" dur="1000" fill="hold"/>
+                                        <p:tgtEl>
+                                          <p:spTgt spid="77"/>
+                                        </p:tgtEl>
+                                        <p:attrNameLst>
+                                          <p:attrName>ppt_x</p:attrName>
+                                        </p:attrNameLst>
+                                      </p:cBhvr>
+                                      <p:tavLst>
+                                        <p:tav tm="0">
+                                          <p:val>
+                                            <p:strVal val="#ppt_x"/>
+                                          </p:val>
+                                        </p:tav>
+                                        <p:tav tm="100000">
+                                          <p:val>
+                                            <p:strVal val="#ppt_x"/>
+                                          </p:val>
+                                        </p:tav>
+                                      </p:tavLst>
+                                    </p:anim>
+                                    <p:anim calcmode="lin" valueType="num">
+                                      <p:cBhvr>
+                                        <p:cTn id="46" dur="1000" fill="hold"/>
+                                        <p:tgtEl>
+                                          <p:spTgt spid="77"/>
+                                        </p:tgtEl>
+                                        <p:attrNameLst>
+                                          <p:attrName>ppt_y</p:attrName>
+                                        </p:attrNameLst>
+                                      </p:cBhvr>
+                                      <p:tavLst>
+                                        <p:tav tm="0">
+                                          <p:val>
+                                            <p:strVal val="#ppt_y+.1"/>
+                                          </p:val>
+                                        </p:tav>
+                                        <p:tav tm="100000">
+                                          <p:val>
+                                            <p:strVal val="#ppt_y"/>
+                                          </p:val>
+                                        </p:tav>
+                                      </p:tavLst>
+                                    </p:anim>
+                                  </p:childTnLst>
+                                </p:cTn>
+                              </p:par>
+                            </p:childTnLst>
+                          </p:cTn>
+                        </p:par>
+                      </p:childTnLst>
+                    </p:cTn>
+                  </p:par>
+                  <p:par>
+                    <p:cTn id="47" fill="hold">
+                      <p:stCondLst>
+                        <p:cond delay="indefinite"/>
+                      </p:stCondLst>
+                      <p:childTnLst>
+                        <p:par>
+                          <p:cTn id="48" fill="hold">
+                            <p:stCondLst>
+                              <p:cond delay="0"/>
+                            </p:stCondLst>
+                            <p:childTnLst>
+                              <p:par>
+                                <p:cTn id="49" presetID="42" presetClass="entr" presetSubtype="0" fill="hold" nodeType="clickEffect">
+                                  <p:stCondLst>
+                                    <p:cond delay="0"/>
+                                  </p:stCondLst>
+                                  <p:childTnLst>
+                                    <p:set>
+                                      <p:cBhvr>
+                                        <p:cTn id="50" dur="1" fill="hold">
+                                          <p:stCondLst>
+                                            <p:cond delay="0"/>
+                                          </p:stCondLst>
+                                        </p:cTn>
+                                        <p:tgtEl>
+                                          <p:spTgt spid="71"/>
+                                        </p:tgtEl>
+                                        <p:attrNameLst>
+                                          <p:attrName>style.visibility</p:attrName>
+                                        </p:attrNameLst>
+                                      </p:cBhvr>
+                                      <p:to>
+                                        <p:strVal val="visible"/>
+                                      </p:to>
+                                    </p:set>
+                                    <p:animEffect transition="in" filter="fade">
+                                      <p:cBhvr>
+                                        <p:cTn id="51" dur="1000"/>
+                                        <p:tgtEl>
+                                          <p:spTgt spid="71"/>
+                                        </p:tgtEl>
+                                      </p:cBhvr>
+                                    </p:animEffect>
+                                    <p:anim calcmode="lin" valueType="num">
+                                      <p:cBhvr>
+                                        <p:cTn id="52" dur="1000" fill="hold"/>
+                                        <p:tgtEl>
+                                          <p:spTgt spid="71"/>
+                                        </p:tgtEl>
+                                        <p:attrNameLst>
+                                          <p:attrName>ppt_x</p:attrName>
+                                        </p:attrNameLst>
+                                      </p:cBhvr>
+                                      <p:tavLst>
+                                        <p:tav tm="0">
+                                          <p:val>
+                                            <p:strVal val="#ppt_x"/>
+                                          </p:val>
+                                        </p:tav>
+                                        <p:tav tm="100000">
+                                          <p:val>
+                                            <p:strVal val="#ppt_x"/>
+                                          </p:val>
+                                        </p:tav>
+                                      </p:tavLst>
+                                    </p:anim>
+                                    <p:anim calcmode="lin" valueType="num">
+                                      <p:cBhvr>
+                                        <p:cTn id="53" dur="1000" fill="hold"/>
+                                        <p:tgtEl>
+                                          <p:spTgt spid="71"/>
+                                        </p:tgtEl>
+                                        <p:attrNameLst>
+                                          <p:attrName>ppt_y</p:attrName>
+                                        </p:attrNameLst>
+                                      </p:cBhvr>
+                                      <p:tavLst>
+                                        <p:tav tm="0">
+                                          <p:val>
+                                            <p:strVal val="#ppt_y+.1"/>
+                                          </p:val>
+                                        </p:tav>
+                                        <p:tav tm="100000">
+                                          <p:val>
+                                            <p:strVal val="#ppt_y"/>
+                                          </p:val>
+                                        </p:tav>
+                                      </p:tavLst>
+                                    </p:anim>
+                                  </p:childTnLst>
+                                </p:cTn>
+                              </p:par>
+                              <p:par>
+                                <p:cTn id="54" presetID="42" presetClass="entr" presetSubtype="0" fill="hold" nodeType="withEffect">
+                                  <p:stCondLst>
+                                    <p:cond delay="0"/>
+                                  </p:stCondLst>
+                                  <p:childTnLst>
+                                    <p:set>
+                                      <p:cBhvr>
+                                        <p:cTn id="55" dur="1" fill="hold">
+                                          <p:stCondLst>
+                                            <p:cond delay="0"/>
+                                          </p:stCondLst>
+                                        </p:cTn>
+                                        <p:tgtEl>
+                                          <p:spTgt spid="70"/>
+                                        </p:tgtEl>
+                                        <p:attrNameLst>
+                                          <p:attrName>style.visibility</p:attrName>
+                                        </p:attrNameLst>
+                                      </p:cBhvr>
+                                      <p:to>
+                                        <p:strVal val="visible"/>
+                                      </p:to>
+                                    </p:set>
+                                    <p:animEffect transition="in" filter="fade">
+                                      <p:cBhvr>
+                                        <p:cTn id="56" dur="1000"/>
+                                        <p:tgtEl>
+                                          <p:spTgt spid="70"/>
+                                        </p:tgtEl>
+                                      </p:cBhvr>
+                                    </p:animEffect>
+                                    <p:anim calcmode="lin" valueType="num">
+                                      <p:cBhvr>
+                                        <p:cTn id="57" dur="1000" fill="hold"/>
+                                        <p:tgtEl>
+                                          <p:spTgt spid="70"/>
+                                        </p:tgtEl>
+                                        <p:attrNameLst>
+                                          <p:attrName>ppt_x</p:attrName>
+                                        </p:attrNameLst>
+                                      </p:cBhvr>
+                                      <p:tavLst>
+                                        <p:tav tm="0">
+                                          <p:val>
+                                            <p:strVal val="#ppt_x"/>
+                                          </p:val>
+                                        </p:tav>
+                                        <p:tav tm="100000">
+                                          <p:val>
+                                            <p:strVal val="#ppt_x"/>
+                                          </p:val>
+                                        </p:tav>
+                                      </p:tavLst>
+                                    </p:anim>
+                                    <p:anim calcmode="lin" valueType="num">
+                                      <p:cBhvr>
+                                        <p:cTn id="58" dur="1000" fill="hold"/>
+                                        <p:tgtEl>
+                                          <p:spTgt spid="70"/>
+                                        </p:tgtEl>
+                                        <p:attrNameLst>
+                                          <p:attrName>ppt_y</p:attrName>
+                                        </p:attrNameLst>
+                                      </p:cBhvr>
+                                      <p:tavLst>
+                                        <p:tav tm="0">
+                                          <p:val>
+                                            <p:strVal val="#ppt_y+.1"/>
+                                          </p:val>
+                                        </p:tav>
+                                        <p:tav tm="100000">
+                                          <p:val>
+                                            <p:strVal val="#ppt_y"/>
+                                          </p:val>
+                                        </p:tav>
+                                      </p:tavLst>
+                                    </p:anim>
+                                  </p:childTnLst>
+                                </p:cTn>
+                              </p:par>
+                              <p:par>
+                                <p:cTn id="59" presetID="42" presetClass="entr" presetSubtype="0" fill="hold" nodeType="withEffect">
+                                  <p:stCondLst>
+                                    <p:cond delay="0"/>
+                                  </p:stCondLst>
+                                  <p:childTnLst>
+                                    <p:set>
+                                      <p:cBhvr>
+                                        <p:cTn id="60" dur="1" fill="hold">
+                                          <p:stCondLst>
+                                            <p:cond delay="0"/>
+                                          </p:stCondLst>
+                                        </p:cTn>
+                                        <p:tgtEl>
+                                          <p:spTgt spid="72"/>
+                                        </p:tgtEl>
+                                        <p:attrNameLst>
+                                          <p:attrName>style.visibility</p:attrName>
+                                        </p:attrNameLst>
+                                      </p:cBhvr>
+                                      <p:to>
+                                        <p:strVal val="visible"/>
+                                      </p:to>
+                                    </p:set>
+                                    <p:animEffect transition="in" filter="fade">
+                                      <p:cBhvr>
+                                        <p:cTn id="61" dur="1000"/>
+                                        <p:tgtEl>
+                                          <p:spTgt spid="72"/>
+                                        </p:tgtEl>
+                                      </p:cBhvr>
+                                    </p:animEffect>
+                                    <p:anim calcmode="lin" valueType="num">
+                                      <p:cBhvr>
+                                        <p:cTn id="62" dur="1000" fill="hold"/>
+                                        <p:tgtEl>
+                                          <p:spTgt spid="72"/>
+                                        </p:tgtEl>
+                                        <p:attrNameLst>
+                                          <p:attrName>ppt_x</p:attrName>
+                                        </p:attrNameLst>
+                                      </p:cBhvr>
+                                      <p:tavLst>
+                                        <p:tav tm="0">
+                                          <p:val>
+                                            <p:strVal val="#ppt_x"/>
+                                          </p:val>
+                                        </p:tav>
+                                        <p:tav tm="100000">
+                                          <p:val>
+                                            <p:strVal val="#ppt_x"/>
+                                          </p:val>
+                                        </p:tav>
+                                      </p:tavLst>
+                                    </p:anim>
+                                    <p:anim calcmode="lin" valueType="num">
+                                      <p:cBhvr>
+                                        <p:cTn id="63" dur="1000" fill="hold"/>
+                                        <p:tgtEl>
+                                          <p:spTgt spid="72"/>
+                                        </p:tgtEl>
+                                        <p:attrNameLst>
+                                          <p:attrName>ppt_y</p:attrName>
+                                        </p:attrNameLst>
+                                      </p:cBhvr>
+                                      <p:tavLst>
+                                        <p:tav tm="0">
+                                          <p:val>
+                                            <p:strVal val="#ppt_y+.1"/>
+                                          </p:val>
+                                        </p:tav>
+                                        <p:tav tm="100000">
+                                          <p:val>
+                                            <p:strVal val="#ppt_y"/>
+                                          </p:val>
+                                        </p:tav>
+                                      </p:tavLst>
+                                    </p:anim>
+                                  </p:childTnLst>
+                                </p:cTn>
+                              </p:par>
+                              <p:par>
+                                <p:cTn id="64" presetID="42" presetClass="entr" presetSubtype="0" fill="hold" nodeType="withEffect">
+                                  <p:stCondLst>
+                                    <p:cond delay="0"/>
+                                  </p:stCondLst>
+                                  <p:childTnLst>
+                                    <p:set>
+                                      <p:cBhvr>
+                                        <p:cTn id="65" dur="1" fill="hold">
+                                          <p:stCondLst>
+                                            <p:cond delay="0"/>
+                                          </p:stCondLst>
+                                        </p:cTn>
+                                        <p:tgtEl>
+                                          <p:spTgt spid="73"/>
+                                        </p:tgtEl>
+                                        <p:attrNameLst>
+                                          <p:attrName>style.visibility</p:attrName>
+                                        </p:attrNameLst>
+                                      </p:cBhvr>
+                                      <p:to>
+                                        <p:strVal val="visible"/>
+                                      </p:to>
+                                    </p:set>
+                                    <p:animEffect transition="in" filter="fade">
+                                      <p:cBhvr>
+                                        <p:cTn id="66" dur="1000"/>
+                                        <p:tgtEl>
+                                          <p:spTgt spid="73"/>
+                                        </p:tgtEl>
+                                      </p:cBhvr>
+                                    </p:animEffect>
+                                    <p:anim calcmode="lin" valueType="num">
+                                      <p:cBhvr>
+                                        <p:cTn id="67" dur="1000" fill="hold"/>
+                                        <p:tgtEl>
+                                          <p:spTgt spid="73"/>
+                                        </p:tgtEl>
+                                        <p:attrNameLst>
+                                          <p:attrName>ppt_x</p:attrName>
+                                        </p:attrNameLst>
+                                      </p:cBhvr>
+                                      <p:tavLst>
+                                        <p:tav tm="0">
+                                          <p:val>
+                                            <p:strVal val="#ppt_x"/>
+                                          </p:val>
+                                        </p:tav>
+                                        <p:tav tm="100000">
+                                          <p:val>
+                                            <p:strVal val="#ppt_x"/>
+                                          </p:val>
+                                        </p:tav>
+                                      </p:tavLst>
+                                    </p:anim>
+                                    <p:anim calcmode="lin" valueType="num">
+                                      <p:cBhvr>
+                                        <p:cTn id="68" dur="1000" fill="hold"/>
+                                        <p:tgtEl>
+                                          <p:spTgt spid="73"/>
+                                        </p:tgtEl>
+                                        <p:attrNameLst>
+                                          <p:attrName>ppt_y</p:attrName>
+                                        </p:attrNameLst>
+                                      </p:cBhvr>
+                                      <p:tavLst>
+                                        <p:tav tm="0">
+                                          <p:val>
+                                            <p:strVal val="#ppt_y+.1"/>
+                                          </p:val>
+                                        </p:tav>
+                                        <p:tav tm="100000">
+                                          <p:val>
+                                            <p:strVal val="#ppt_y"/>
+                                          </p:val>
+                                        </p:tav>
+                                      </p:tavLst>
+                                    </p:anim>
+                                  </p:childTnLst>
+                                </p:cTn>
+                              </p:par>
+                            </p:childTnLst>
+                          </p:cTn>
+                        </p:par>
+                      </p:childTnLst>
+                    </p:cTn>
+                  </p:par>
+                </p:childTnLst>
+              </p:cTn>
+              <p:prevCondLst>
+                <p:cond evt="onPrev" delay="0">
+                  <p:tgtEl>
+                    <p:sldTgt/>
+                  </p:tgtEl>
+                </p:cond>
+              </p:prevCondLst>
+              <p:nextCondLst>
+                <p:cond evt="onNext" delay="0">
+                  <p:tgtEl>
+                    <p:sldTgt/>
+                  </p:tgtEl>
+                </p:cond>
+              </p:nextCondLst>
+            </p:seq>
+          </p:childTnLst>
+        </p:cTn>
+      </p:par>
+    </p:tnLst>
+    <p:bldLst>
+      <p:bldP spid="68" grpId="0"/>
+      <p:bldP spid="69" grpId="0"/>
+    </p:bldLst>
+  </p:timing>
 </p:sld>
 </file>
 
@@ -6810,18 +7871,546 @@
   <p:clrMapOvr>
     <a:masterClrMapping/>
   </p:clrMapOvr>
-  <mc:AlternateContent xmlns:mc="http://schemas.openxmlformats.org/markup-compatibility/2006" xmlns:p14="http://schemas.microsoft.com/office/powerpoint/2010/main">
-    <mc:Choice Requires="p14">
-      <p:transition spd="slow">
+  <mc:AlternateContent xmlns:mc="http://schemas.openxmlformats.org/markup-compatibility/2006">
+    <mc:Choice xmlns:p14="http://schemas.microsoft.com/office/powerpoint/2010/main" Requires="p14">
+      <p:transition spd="med">
         <p14:reveal/>
       </p:transition>
     </mc:Choice>
-    <mc:Fallback xmlns="">
-      <p:transition spd="slow">
+    <mc:Fallback>
+      <p:transition spd="med">
         <p:fade/>
       </p:transition>
     </mc:Fallback>
   </mc:AlternateContent>
+  <p:timing>
+    <p:tnLst>
+      <p:par>
+        <p:cTn id="1" dur="indefinite" restart="never" nodeType="tmRoot">
+          <p:childTnLst>
+            <p:seq concurrent="1" nextAc="seek">
+              <p:cTn id="2" dur="indefinite" nodeType="mainSeq">
+                <p:childTnLst>
+                  <p:par>
+                    <p:cTn id="3" fill="hold">
+                      <p:stCondLst>
+                        <p:cond delay="indefinite"/>
+                      </p:stCondLst>
+                      <p:childTnLst>
+                        <p:par>
+                          <p:cTn id="4" fill="hold">
+                            <p:stCondLst>
+                              <p:cond delay="0"/>
+                            </p:stCondLst>
+                            <p:childTnLst>
+                              <p:par>
+                                <p:cTn id="5" presetID="10" presetClass="entr" presetSubtype="0" fill="hold" nodeType="clickEffect">
+                                  <p:stCondLst>
+                                    <p:cond delay="0"/>
+                                  </p:stCondLst>
+                                  <p:childTnLst>
+                                    <p:set>
+                                      <p:cBhvr>
+                                        <p:cTn id="6" dur="1" fill="hold">
+                                          <p:stCondLst>
+                                            <p:cond delay="0"/>
+                                          </p:stCondLst>
+                                        </p:cTn>
+                                        <p:tgtEl>
+                                          <p:spTgt spid="5"/>
+                                        </p:tgtEl>
+                                        <p:attrNameLst>
+                                          <p:attrName>style.visibility</p:attrName>
+                                        </p:attrNameLst>
+                                      </p:cBhvr>
+                                      <p:to>
+                                        <p:strVal val="visible"/>
+                                      </p:to>
+                                    </p:set>
+                                    <p:animEffect transition="in" filter="fade">
+                                      <p:cBhvr>
+                                        <p:cTn id="7" dur="500"/>
+                                        <p:tgtEl>
+                                          <p:spTgt spid="5"/>
+                                        </p:tgtEl>
+                                      </p:cBhvr>
+                                    </p:animEffect>
+                                  </p:childTnLst>
+                                </p:cTn>
+                              </p:par>
+                              <p:par>
+                                <p:cTn id="8" presetID="10" presetClass="entr" presetSubtype="0" fill="hold" grpId="0" nodeType="withEffect">
+                                  <p:stCondLst>
+                                    <p:cond delay="0"/>
+                                  </p:stCondLst>
+                                  <p:childTnLst>
+                                    <p:set>
+                                      <p:cBhvr>
+                                        <p:cTn id="9" dur="1" fill="hold">
+                                          <p:stCondLst>
+                                            <p:cond delay="0"/>
+                                          </p:stCondLst>
+                                        </p:cTn>
+                                        <p:tgtEl>
+                                          <p:spTgt spid="3"/>
+                                        </p:tgtEl>
+                                        <p:attrNameLst>
+                                          <p:attrName>style.visibility</p:attrName>
+                                        </p:attrNameLst>
+                                      </p:cBhvr>
+                                      <p:to>
+                                        <p:strVal val="visible"/>
+                                      </p:to>
+                                    </p:set>
+                                    <p:animEffect transition="in" filter="fade">
+                                      <p:cBhvr>
+                                        <p:cTn id="10" dur="500"/>
+                                        <p:tgtEl>
+                                          <p:spTgt spid="3"/>
+                                        </p:tgtEl>
+                                      </p:cBhvr>
+                                    </p:animEffect>
+                                  </p:childTnLst>
+                                </p:cTn>
+                              </p:par>
+                              <p:par>
+                                <p:cTn id="11" presetID="10" presetClass="entr" presetSubtype="0" fill="hold" nodeType="withEffect">
+                                  <p:stCondLst>
+                                    <p:cond delay="0"/>
+                                  </p:stCondLst>
+                                  <p:childTnLst>
+                                    <p:set>
+                                      <p:cBhvr>
+                                        <p:cTn id="12" dur="1" fill="hold">
+                                          <p:stCondLst>
+                                            <p:cond delay="0"/>
+                                          </p:stCondLst>
+                                        </p:cTn>
+                                        <p:tgtEl>
+                                          <p:spTgt spid="31"/>
+                                        </p:tgtEl>
+                                        <p:attrNameLst>
+                                          <p:attrName>style.visibility</p:attrName>
+                                        </p:attrNameLst>
+                                      </p:cBhvr>
+                                      <p:to>
+                                        <p:strVal val="visible"/>
+                                      </p:to>
+                                    </p:set>
+                                    <p:animEffect transition="in" filter="fade">
+                                      <p:cBhvr>
+                                        <p:cTn id="13" dur="500"/>
+                                        <p:tgtEl>
+                                          <p:spTgt spid="31"/>
+                                        </p:tgtEl>
+                                      </p:cBhvr>
+                                    </p:animEffect>
+                                  </p:childTnLst>
+                                </p:cTn>
+                              </p:par>
+                            </p:childTnLst>
+                          </p:cTn>
+                        </p:par>
+                      </p:childTnLst>
+                    </p:cTn>
+                  </p:par>
+                  <p:par>
+                    <p:cTn id="14" fill="hold">
+                      <p:stCondLst>
+                        <p:cond delay="indefinite"/>
+                      </p:stCondLst>
+                      <p:childTnLst>
+                        <p:par>
+                          <p:cTn id="15" fill="hold">
+                            <p:stCondLst>
+                              <p:cond delay="0"/>
+                            </p:stCondLst>
+                            <p:childTnLst>
+                              <p:par>
+                                <p:cTn id="16" presetID="10" presetClass="entr" presetSubtype="0" fill="hold" nodeType="clickEffect">
+                                  <p:stCondLst>
+                                    <p:cond delay="0"/>
+                                  </p:stCondLst>
+                                  <p:childTnLst>
+                                    <p:set>
+                                      <p:cBhvr>
+                                        <p:cTn id="17" dur="1" fill="hold">
+                                          <p:stCondLst>
+                                            <p:cond delay="0"/>
+                                          </p:stCondLst>
+                                        </p:cTn>
+                                        <p:tgtEl>
+                                          <p:spTgt spid="33"/>
+                                        </p:tgtEl>
+                                        <p:attrNameLst>
+                                          <p:attrName>style.visibility</p:attrName>
+                                        </p:attrNameLst>
+                                      </p:cBhvr>
+                                      <p:to>
+                                        <p:strVal val="visible"/>
+                                      </p:to>
+                                    </p:set>
+                                    <p:animEffect transition="in" filter="fade">
+                                      <p:cBhvr>
+                                        <p:cTn id="18" dur="500"/>
+                                        <p:tgtEl>
+                                          <p:spTgt spid="33"/>
+                                        </p:tgtEl>
+                                      </p:cBhvr>
+                                    </p:animEffect>
+                                  </p:childTnLst>
+                                </p:cTn>
+                              </p:par>
+                              <p:par>
+                                <p:cTn id="19" presetID="10" presetClass="entr" presetSubtype="0" fill="hold" nodeType="withEffect">
+                                  <p:stCondLst>
+                                    <p:cond delay="0"/>
+                                  </p:stCondLst>
+                                  <p:childTnLst>
+                                    <p:set>
+                                      <p:cBhvr>
+                                        <p:cTn id="20" dur="1" fill="hold">
+                                          <p:stCondLst>
+                                            <p:cond delay="0"/>
+                                          </p:stCondLst>
+                                        </p:cTn>
+                                        <p:tgtEl>
+                                          <p:spTgt spid="7"/>
+                                        </p:tgtEl>
+                                        <p:attrNameLst>
+                                          <p:attrName>style.visibility</p:attrName>
+                                        </p:attrNameLst>
+                                      </p:cBhvr>
+                                      <p:to>
+                                        <p:strVal val="visible"/>
+                                      </p:to>
+                                    </p:set>
+                                    <p:animEffect transition="in" filter="fade">
+                                      <p:cBhvr>
+                                        <p:cTn id="21" dur="500"/>
+                                        <p:tgtEl>
+                                          <p:spTgt spid="7"/>
+                                        </p:tgtEl>
+                                      </p:cBhvr>
+                                    </p:animEffect>
+                                  </p:childTnLst>
+                                </p:cTn>
+                              </p:par>
+                              <p:par>
+                                <p:cTn id="22" presetID="10" presetClass="entr" presetSubtype="0" fill="hold" grpId="0" nodeType="withEffect">
+                                  <p:stCondLst>
+                                    <p:cond delay="0"/>
+                                  </p:stCondLst>
+                                  <p:childTnLst>
+                                    <p:set>
+                                      <p:cBhvr>
+                                        <p:cTn id="23" dur="1" fill="hold">
+                                          <p:stCondLst>
+                                            <p:cond delay="0"/>
+                                          </p:stCondLst>
+                                        </p:cTn>
+                                        <p:tgtEl>
+                                          <p:spTgt spid="15"/>
+                                        </p:tgtEl>
+                                        <p:attrNameLst>
+                                          <p:attrName>style.visibility</p:attrName>
+                                        </p:attrNameLst>
+                                      </p:cBhvr>
+                                      <p:to>
+                                        <p:strVal val="visible"/>
+                                      </p:to>
+                                    </p:set>
+                                    <p:animEffect transition="in" filter="fade">
+                                      <p:cBhvr>
+                                        <p:cTn id="24" dur="500"/>
+                                        <p:tgtEl>
+                                          <p:spTgt spid="15"/>
+                                        </p:tgtEl>
+                                      </p:cBhvr>
+                                    </p:animEffect>
+                                  </p:childTnLst>
+                                </p:cTn>
+                              </p:par>
+                            </p:childTnLst>
+                          </p:cTn>
+                        </p:par>
+                      </p:childTnLst>
+                    </p:cTn>
+                  </p:par>
+                  <p:par>
+                    <p:cTn id="25" fill="hold">
+                      <p:stCondLst>
+                        <p:cond delay="indefinite"/>
+                      </p:stCondLst>
+                      <p:childTnLst>
+                        <p:par>
+                          <p:cTn id="26" fill="hold">
+                            <p:stCondLst>
+                              <p:cond delay="0"/>
+                            </p:stCondLst>
+                            <p:childTnLst>
+                              <p:par>
+                                <p:cTn id="27" presetID="10" presetClass="entr" presetSubtype="0" fill="hold" nodeType="clickEffect">
+                                  <p:stCondLst>
+                                    <p:cond delay="0"/>
+                                  </p:stCondLst>
+                                  <p:childTnLst>
+                                    <p:set>
+                                      <p:cBhvr>
+                                        <p:cTn id="28" dur="1" fill="hold">
+                                          <p:stCondLst>
+                                            <p:cond delay="0"/>
+                                          </p:stCondLst>
+                                        </p:cTn>
+                                        <p:tgtEl>
+                                          <p:spTgt spid="11"/>
+                                        </p:tgtEl>
+                                        <p:attrNameLst>
+                                          <p:attrName>style.visibility</p:attrName>
+                                        </p:attrNameLst>
+                                      </p:cBhvr>
+                                      <p:to>
+                                        <p:strVal val="visible"/>
+                                      </p:to>
+                                    </p:set>
+                                    <p:animEffect transition="in" filter="fade">
+                                      <p:cBhvr>
+                                        <p:cTn id="29" dur="500"/>
+                                        <p:tgtEl>
+                                          <p:spTgt spid="11"/>
+                                        </p:tgtEl>
+                                      </p:cBhvr>
+                                    </p:animEffect>
+                                  </p:childTnLst>
+                                </p:cTn>
+                              </p:par>
+                              <p:par>
+                                <p:cTn id="30" presetID="10" presetClass="entr" presetSubtype="0" fill="hold" grpId="0" nodeType="withEffect">
+                                  <p:stCondLst>
+                                    <p:cond delay="0"/>
+                                  </p:stCondLst>
+                                  <p:childTnLst>
+                                    <p:set>
+                                      <p:cBhvr>
+                                        <p:cTn id="31" dur="1" fill="hold">
+                                          <p:stCondLst>
+                                            <p:cond delay="0"/>
+                                          </p:stCondLst>
+                                        </p:cTn>
+                                        <p:tgtEl>
+                                          <p:spTgt spid="14"/>
+                                        </p:tgtEl>
+                                        <p:attrNameLst>
+                                          <p:attrName>style.visibility</p:attrName>
+                                        </p:attrNameLst>
+                                      </p:cBhvr>
+                                      <p:to>
+                                        <p:strVal val="visible"/>
+                                      </p:to>
+                                    </p:set>
+                                    <p:animEffect transition="in" filter="fade">
+                                      <p:cBhvr>
+                                        <p:cTn id="32" dur="500"/>
+                                        <p:tgtEl>
+                                          <p:spTgt spid="14"/>
+                                        </p:tgtEl>
+                                      </p:cBhvr>
+                                    </p:animEffect>
+                                  </p:childTnLst>
+                                </p:cTn>
+                              </p:par>
+                              <p:par>
+                                <p:cTn id="33" presetID="10" presetClass="entr" presetSubtype="0" fill="hold" nodeType="withEffect">
+                                  <p:stCondLst>
+                                    <p:cond delay="0"/>
+                                  </p:stCondLst>
+                                  <p:childTnLst>
+                                    <p:set>
+                                      <p:cBhvr>
+                                        <p:cTn id="34" dur="1" fill="hold">
+                                          <p:stCondLst>
+                                            <p:cond delay="0"/>
+                                          </p:stCondLst>
+                                        </p:cTn>
+                                        <p:tgtEl>
+                                          <p:spTgt spid="27"/>
+                                        </p:tgtEl>
+                                        <p:attrNameLst>
+                                          <p:attrName>style.visibility</p:attrName>
+                                        </p:attrNameLst>
+                                      </p:cBhvr>
+                                      <p:to>
+                                        <p:strVal val="visible"/>
+                                      </p:to>
+                                    </p:set>
+                                    <p:animEffect transition="in" filter="fade">
+                                      <p:cBhvr>
+                                        <p:cTn id="35" dur="500"/>
+                                        <p:tgtEl>
+                                          <p:spTgt spid="27"/>
+                                        </p:tgtEl>
+                                      </p:cBhvr>
+                                    </p:animEffect>
+                                  </p:childTnLst>
+                                </p:cTn>
+                              </p:par>
+                            </p:childTnLst>
+                          </p:cTn>
+                        </p:par>
+                      </p:childTnLst>
+                    </p:cTn>
+                  </p:par>
+                  <p:par>
+                    <p:cTn id="36" fill="hold">
+                      <p:stCondLst>
+                        <p:cond delay="indefinite"/>
+                      </p:stCondLst>
+                      <p:childTnLst>
+                        <p:par>
+                          <p:cTn id="37" fill="hold">
+                            <p:stCondLst>
+                              <p:cond delay="0"/>
+                            </p:stCondLst>
+                            <p:childTnLst>
+                              <p:par>
+                                <p:cTn id="38" presetID="10" presetClass="entr" presetSubtype="0" fill="hold" nodeType="clickEffect">
+                                  <p:stCondLst>
+                                    <p:cond delay="0"/>
+                                  </p:stCondLst>
+                                  <p:childTnLst>
+                                    <p:set>
+                                      <p:cBhvr>
+                                        <p:cTn id="39" dur="1" fill="hold">
+                                          <p:stCondLst>
+                                            <p:cond delay="0"/>
+                                          </p:stCondLst>
+                                        </p:cTn>
+                                        <p:tgtEl>
+                                          <p:spTgt spid="29"/>
+                                        </p:tgtEl>
+                                        <p:attrNameLst>
+                                          <p:attrName>style.visibility</p:attrName>
+                                        </p:attrNameLst>
+                                      </p:cBhvr>
+                                      <p:to>
+                                        <p:strVal val="visible"/>
+                                      </p:to>
+                                    </p:set>
+                                    <p:animEffect transition="in" filter="fade">
+                                      <p:cBhvr>
+                                        <p:cTn id="40" dur="500"/>
+                                        <p:tgtEl>
+                                          <p:spTgt spid="29"/>
+                                        </p:tgtEl>
+                                      </p:cBhvr>
+                                    </p:animEffect>
+                                  </p:childTnLst>
+                                </p:cTn>
+                              </p:par>
+                              <p:par>
+                                <p:cTn id="41" presetID="10" presetClass="entr" presetSubtype="0" fill="hold" nodeType="withEffect">
+                                  <p:stCondLst>
+                                    <p:cond delay="0"/>
+                                  </p:stCondLst>
+                                  <p:childTnLst>
+                                    <p:set>
+                                      <p:cBhvr>
+                                        <p:cTn id="42" dur="1" fill="hold">
+                                          <p:stCondLst>
+                                            <p:cond delay="0"/>
+                                          </p:stCondLst>
+                                        </p:cTn>
+                                        <p:tgtEl>
+                                          <p:spTgt spid="13"/>
+                                        </p:tgtEl>
+                                        <p:attrNameLst>
+                                          <p:attrName>style.visibility</p:attrName>
+                                        </p:attrNameLst>
+                                      </p:cBhvr>
+                                      <p:to>
+                                        <p:strVal val="visible"/>
+                                      </p:to>
+                                    </p:set>
+                                    <p:animEffect transition="in" filter="fade">
+                                      <p:cBhvr>
+                                        <p:cTn id="43" dur="500"/>
+                                        <p:tgtEl>
+                                          <p:spTgt spid="13"/>
+                                        </p:tgtEl>
+                                      </p:cBhvr>
+                                    </p:animEffect>
+                                  </p:childTnLst>
+                                </p:cTn>
+                              </p:par>
+                              <p:par>
+                                <p:cTn id="44" presetID="10" presetClass="entr" presetSubtype="0" fill="hold" grpId="0" nodeType="withEffect">
+                                  <p:stCondLst>
+                                    <p:cond delay="0"/>
+                                  </p:stCondLst>
+                                  <p:childTnLst>
+                                    <p:set>
+                                      <p:cBhvr>
+                                        <p:cTn id="45" dur="1" fill="hold">
+                                          <p:stCondLst>
+                                            <p:cond delay="0"/>
+                                          </p:stCondLst>
+                                        </p:cTn>
+                                        <p:tgtEl>
+                                          <p:spTgt spid="17"/>
+                                        </p:tgtEl>
+                                        <p:attrNameLst>
+                                          <p:attrName>style.visibility</p:attrName>
+                                        </p:attrNameLst>
+                                      </p:cBhvr>
+                                      <p:to>
+                                        <p:strVal val="visible"/>
+                                      </p:to>
+                                    </p:set>
+                                    <p:animEffect transition="in" filter="fade">
+                                      <p:cBhvr>
+                                        <p:cTn id="46" dur="500"/>
+                                        <p:tgtEl>
+                                          <p:spTgt spid="17"/>
+                                        </p:tgtEl>
+                                      </p:cBhvr>
+                                    </p:animEffect>
+                                  </p:childTnLst>
+                                </p:cTn>
+                              </p:par>
+                            </p:childTnLst>
+                          </p:cTn>
+                        </p:par>
+                      </p:childTnLst>
+                    </p:cTn>
+                  </p:par>
+                </p:childTnLst>
+              </p:cTn>
+              <p:prevCondLst>
+                <p:cond evt="onPrev" delay="0">
+                  <p:tgtEl>
+                    <p:sldTgt/>
+                  </p:tgtEl>
+                </p:cond>
+              </p:prevCondLst>
+              <p:nextCondLst>
+                <p:cond evt="onNext" delay="0">
+                  <p:tgtEl>
+                    <p:sldTgt/>
+                  </p:tgtEl>
+                </p:cond>
+              </p:nextCondLst>
+            </p:seq>
+          </p:childTnLst>
+        </p:cTn>
+      </p:par>
+    </p:tnLst>
+    <p:bldLst>
+      <p:bldP spid="3" grpId="0"/>
+      <p:bldP spid="14" grpId="0"/>
+      <p:bldP spid="15" grpId="0"/>
+      <p:bldP spid="17" grpId="0"/>
+    </p:bldLst>
+  </p:timing>
 </p:sld>
 </file>
 
@@ -7256,212 +8845,12 @@
           </a:fontRef>
         </p:style>
       </p:cxnSp>
-      <p:sp>
-        <p:nvSpPr>
-          <p:cNvPr id="3" name="ZoneTexte 2">
-            <a:extLst>
-              <a:ext uri="{FF2B5EF4-FFF2-40B4-BE49-F238E27FC236}">
-                <a16:creationId xmlns:a16="http://schemas.microsoft.com/office/drawing/2014/main" id="{DCCD1615-1755-47F7-AF0B-75E932931245}"/>
-              </a:ext>
-            </a:extLst>
-          </p:cNvPr>
-          <p:cNvSpPr txBox="1"/>
-          <p:nvPr/>
-        </p:nvSpPr>
-        <p:spPr>
-          <a:xfrm>
-            <a:off x="1048878" y="2349004"/>
-            <a:ext cx="5888270" cy="1046440"/>
-          </a:xfrm>
-          <a:prstGeom prst="rect">
-            <a:avLst/>
-          </a:prstGeom>
-          <a:noFill/>
-        </p:spPr>
-        <p:txBody>
-          <a:bodyPr wrap="square" rtlCol="0">
-            <a:spAutoFit/>
-          </a:bodyPr>
-          <a:lstStyle/>
-          <a:p>
-            <a:r>
-              <a:rPr lang="fr-FR" sz="2400" dirty="0">
-                <a:latin typeface="Berlin Sans FB" panose="020E0602020502020306" pitchFamily="34" charset="0"/>
-              </a:rPr>
-              <a:t>Installation du serveur </a:t>
-            </a:r>
-            <a:r>
-              <a:rPr lang="fr-FR" sz="2400" dirty="0" err="1">
-                <a:latin typeface="Berlin Sans FB" panose="020E0602020502020306" pitchFamily="34" charset="0"/>
-              </a:rPr>
-              <a:t>Wamp</a:t>
-            </a:r>
-            <a:r>
-              <a:rPr lang="fr-FR" sz="2400" dirty="0">
-                <a:latin typeface="Berlin Sans FB" panose="020E0602020502020306" pitchFamily="34" charset="0"/>
-              </a:rPr>
-              <a:t> et de la BDD : </a:t>
-            </a:r>
-            <a:r>
-              <a:rPr lang="fr-FR" dirty="0">
-                <a:latin typeface="Berlin Sans FB" panose="020E0602020502020306" pitchFamily="34" charset="0"/>
-              </a:rPr>
-              <a:t>Collection des dernières mesures</a:t>
-            </a:r>
-          </a:p>
-          <a:p>
-            <a:endParaRPr lang="fr-FR" dirty="0">
-              <a:latin typeface="Berlin Sans FB" panose="020E0602020502020306" pitchFamily="34" charset="0"/>
-            </a:endParaRPr>
-          </a:p>
-        </p:txBody>
-      </p:sp>
-      <p:sp>
-        <p:nvSpPr>
-          <p:cNvPr id="9" name="ZoneTexte 8">
-            <a:extLst>
-              <a:ext uri="{FF2B5EF4-FFF2-40B4-BE49-F238E27FC236}">
-                <a16:creationId xmlns:a16="http://schemas.microsoft.com/office/drawing/2014/main" id="{82010251-0AD2-4DAA-8E6B-7CA6A2301A9E}"/>
-              </a:ext>
-            </a:extLst>
-          </p:cNvPr>
-          <p:cNvSpPr txBox="1"/>
-          <p:nvPr/>
-        </p:nvSpPr>
-        <p:spPr>
-          <a:xfrm>
-            <a:off x="2361082" y="1061143"/>
-            <a:ext cx="7253761" cy="769441"/>
-          </a:xfrm>
-          <a:prstGeom prst="rect">
-            <a:avLst/>
-          </a:prstGeom>
-          <a:noFill/>
-        </p:spPr>
-        <p:txBody>
-          <a:bodyPr wrap="square" rtlCol="0">
-            <a:spAutoFit/>
-          </a:bodyPr>
-          <a:lstStyle/>
-          <a:p>
-            <a:pPr algn="ctr"/>
-            <a:r>
-              <a:rPr lang="fr-FR" sz="4400" dirty="0">
-                <a:latin typeface="Berlin Sans FB" panose="020E0602020502020306" pitchFamily="34" charset="0"/>
-              </a:rPr>
-              <a:t>Partie Personnelle</a:t>
-            </a:r>
-          </a:p>
-        </p:txBody>
-      </p:sp>
-      <p:sp>
-        <p:nvSpPr>
-          <p:cNvPr id="5" name="ZoneTexte 4">
-            <a:extLst>
-              <a:ext uri="{FF2B5EF4-FFF2-40B4-BE49-F238E27FC236}">
-                <a16:creationId xmlns:a16="http://schemas.microsoft.com/office/drawing/2014/main" id="{97D75292-83FE-493B-B968-98B2458193D7}"/>
-              </a:ext>
-            </a:extLst>
-          </p:cNvPr>
-          <p:cNvSpPr txBox="1"/>
-          <p:nvPr/>
-        </p:nvSpPr>
-        <p:spPr>
-          <a:xfrm>
-            <a:off x="1048878" y="3555555"/>
-            <a:ext cx="6036724" cy="738664"/>
-          </a:xfrm>
-          <a:prstGeom prst="rect">
-            <a:avLst/>
-          </a:prstGeom>
-          <a:noFill/>
-        </p:spPr>
-        <p:txBody>
-          <a:bodyPr wrap="square" rtlCol="0">
-            <a:spAutoFit/>
-          </a:bodyPr>
-          <a:lstStyle/>
-          <a:p>
-            <a:r>
-              <a:rPr lang="fr-FR" sz="2400" dirty="0">
-                <a:latin typeface="Berlin Sans FB" panose="020E0602020502020306" pitchFamily="34" charset="0"/>
-              </a:rPr>
-              <a:t>Mise en place page </a:t>
-            </a:r>
-            <a:r>
-              <a:rPr lang="fr-FR" sz="2400" dirty="0" err="1">
-                <a:latin typeface="Berlin Sans FB" panose="020E0602020502020306" pitchFamily="34" charset="0"/>
-              </a:rPr>
-              <a:t>php</a:t>
-            </a:r>
-            <a:r>
-              <a:rPr lang="fr-FR" sz="2400" dirty="0">
-                <a:latin typeface="Berlin Sans FB" panose="020E0602020502020306" pitchFamily="34" charset="0"/>
-              </a:rPr>
-              <a:t> : </a:t>
-            </a:r>
-          </a:p>
-          <a:p>
-            <a:r>
-              <a:rPr lang="fr-FR" dirty="0">
-                <a:latin typeface="Berlin Sans FB" panose="020E0602020502020306" pitchFamily="34" charset="0"/>
-              </a:rPr>
-              <a:t>Visualisation de l'état en temps réel de la serre</a:t>
-            </a:r>
-          </a:p>
-        </p:txBody>
-      </p:sp>
-      <p:sp>
-        <p:nvSpPr>
-          <p:cNvPr id="2" name="ZoneTexte 1">
-            <a:extLst>
-              <a:ext uri="{FF2B5EF4-FFF2-40B4-BE49-F238E27FC236}">
-                <a16:creationId xmlns:a16="http://schemas.microsoft.com/office/drawing/2014/main" id="{2BC33ED4-BDF7-41A6-B497-0BDE14EDC326}"/>
-              </a:ext>
-            </a:extLst>
-          </p:cNvPr>
-          <p:cNvSpPr txBox="1"/>
-          <p:nvPr/>
-        </p:nvSpPr>
-        <p:spPr>
-          <a:xfrm>
-            <a:off x="1048878" y="4943471"/>
-            <a:ext cx="7633727" cy="738664"/>
-          </a:xfrm>
-          <a:prstGeom prst="rect">
-            <a:avLst/>
-          </a:prstGeom>
-          <a:noFill/>
-        </p:spPr>
-        <p:txBody>
-          <a:bodyPr wrap="square" rtlCol="0">
-            <a:spAutoFit/>
-          </a:bodyPr>
-          <a:lstStyle/>
-          <a:p>
-            <a:r>
-              <a:rPr lang="fr-FR" sz="2400" dirty="0">
-                <a:latin typeface="Berlin Sans FB" panose="020E0602020502020306" pitchFamily="34" charset="0"/>
-              </a:rPr>
-              <a:t>Mise en place de la boucle 4-20 mA (avec Willy) :</a:t>
-            </a:r>
-          </a:p>
-          <a:p>
-            <a:r>
-              <a:rPr lang="fr-FR" dirty="0">
-                <a:latin typeface="Berlin Sans FB" panose="020E0602020502020306" pitchFamily="34" charset="0"/>
-              </a:rPr>
-              <a:t>Acquérir la mesure température</a:t>
-            </a:r>
-          </a:p>
-        </p:txBody>
-      </p:sp>
       <p:pic>
         <p:nvPicPr>
-          <p:cNvPr id="4" name="Image 3">
-            <a:extLst>
-              <a:ext uri="{FF2B5EF4-FFF2-40B4-BE49-F238E27FC236}">
-                <a16:creationId xmlns:a16="http://schemas.microsoft.com/office/drawing/2014/main" id="{5BF45598-5F3E-4BBA-A0BA-D008DACED053}"/>
+          <p:cNvPr id="3" name="Image 2">
+            <a:extLst>
+              <a:ext uri="{FF2B5EF4-FFF2-40B4-BE49-F238E27FC236}">
+                <a16:creationId xmlns:a16="http://schemas.microsoft.com/office/drawing/2014/main" id="{C7DF2F12-91E1-4BCA-89A8-43D445D0EA5A}"/>
               </a:ext>
             </a:extLst>
           </p:cNvPr>
@@ -7471,37 +8860,7 @@
           <p:nvPr/>
         </p:nvPicPr>
         <p:blipFill>
-          <a:blip r:embed="rId4"/>
-          <a:stretch>
-            <a:fillRect/>
-          </a:stretch>
-        </p:blipFill>
-        <p:spPr>
-          <a:xfrm>
-            <a:off x="8596254" y="2315699"/>
-            <a:ext cx="870001" cy="862629"/>
-          </a:xfrm>
-          <a:prstGeom prst="rect">
-            <a:avLst/>
-          </a:prstGeom>
-        </p:spPr>
-      </p:pic>
-      <p:pic>
-        <p:nvPicPr>
-          <p:cNvPr id="7" name="Image 6">
-            <a:extLst>
-              <a:ext uri="{FF2B5EF4-FFF2-40B4-BE49-F238E27FC236}">
-                <a16:creationId xmlns:a16="http://schemas.microsoft.com/office/drawing/2014/main" id="{1EE86F43-EB9C-47AF-9159-70A323BBA8FC}"/>
-              </a:ext>
-            </a:extLst>
-          </p:cNvPr>
-          <p:cNvPicPr>
-            <a:picLocks noChangeAspect="1"/>
-          </p:cNvPicPr>
-          <p:nvPr/>
-        </p:nvPicPr>
-        <p:blipFill>
-          <a:blip r:embed="rId5">
+          <a:blip r:embed="rId4">
             <a:extLst>
               <a:ext uri="{28A0092B-C50C-407E-A947-70E740481C1C}">
                 <a14:useLocalDpi xmlns:a14="http://schemas.microsoft.com/office/drawing/2010/main" val="0"/>
@@ -7514,152 +8873,8 @@
         </p:blipFill>
         <p:spPr>
           <a:xfrm>
-            <a:off x="9541249" y="2328891"/>
-            <a:ext cx="1296501" cy="863823"/>
-          </a:xfrm>
-          <a:prstGeom prst="rect">
-            <a:avLst/>
-          </a:prstGeom>
-        </p:spPr>
-      </p:pic>
-      <p:pic>
-        <p:nvPicPr>
-          <p:cNvPr id="12" name="Image 11">
-            <a:extLst>
-              <a:ext uri="{FF2B5EF4-FFF2-40B4-BE49-F238E27FC236}">
-                <a16:creationId xmlns:a16="http://schemas.microsoft.com/office/drawing/2014/main" id="{1C693AD3-5E2B-421D-A28A-9610AB13AAD3}"/>
-              </a:ext>
-            </a:extLst>
-          </p:cNvPr>
-          <p:cNvPicPr>
-            <a:picLocks noChangeAspect="1"/>
-          </p:cNvPicPr>
-          <p:nvPr/>
-        </p:nvPicPr>
-        <p:blipFill>
-          <a:blip r:embed="rId6">
-            <a:extLst>
-              <a:ext uri="{28A0092B-C50C-407E-A947-70E740481C1C}">
-                <a14:useLocalDpi xmlns:a14="http://schemas.microsoft.com/office/drawing/2010/main" val="0"/>
-              </a:ext>
-            </a:extLst>
-          </a:blip>
-          <a:stretch>
-            <a:fillRect/>
-          </a:stretch>
-        </p:blipFill>
-        <p:spPr>
-          <a:xfrm>
-            <a:off x="8697006" y="3412184"/>
-            <a:ext cx="1901046" cy="1026565"/>
-          </a:xfrm>
-          <a:prstGeom prst="rect">
-            <a:avLst/>
-          </a:prstGeom>
-        </p:spPr>
-      </p:pic>
-      <p:pic>
-        <p:nvPicPr>
-          <p:cNvPr id="14" name="Image 13">
-            <a:extLst>
-              <a:ext uri="{FF2B5EF4-FFF2-40B4-BE49-F238E27FC236}">
-                <a16:creationId xmlns:a16="http://schemas.microsoft.com/office/drawing/2014/main" id="{77BA0B5B-ADD8-40C5-9EED-0346667934E8}"/>
-              </a:ext>
-            </a:extLst>
-          </p:cNvPr>
-          <p:cNvPicPr>
-            <a:picLocks noChangeAspect="1"/>
-          </p:cNvPicPr>
-          <p:nvPr/>
-        </p:nvPicPr>
-        <p:blipFill>
-          <a:blip r:embed="rId7">
-            <a:extLst>
-              <a:ext uri="{28A0092B-C50C-407E-A947-70E740481C1C}">
-                <a14:useLocalDpi xmlns:a14="http://schemas.microsoft.com/office/drawing/2010/main" val="0"/>
-              </a:ext>
-            </a:extLst>
-          </a:blip>
-          <a:stretch>
-            <a:fillRect/>
-          </a:stretch>
-        </p:blipFill>
-        <p:spPr>
-          <a:xfrm>
-            <a:off x="8040057" y="5007271"/>
-            <a:ext cx="862629" cy="862629"/>
-          </a:xfrm>
-          <a:prstGeom prst="rect">
-            <a:avLst/>
-          </a:prstGeom>
-        </p:spPr>
-      </p:pic>
-      <p:pic>
-        <p:nvPicPr>
-          <p:cNvPr id="17" name="Image 16">
-            <a:extLst>
-              <a:ext uri="{FF2B5EF4-FFF2-40B4-BE49-F238E27FC236}">
-                <a16:creationId xmlns:a16="http://schemas.microsoft.com/office/drawing/2014/main" id="{A0853A2B-0CFE-4727-A193-4EDFEC193A54}"/>
-              </a:ext>
-            </a:extLst>
-          </p:cNvPr>
-          <p:cNvPicPr>
-            <a:picLocks noChangeAspect="1"/>
-          </p:cNvPicPr>
-          <p:nvPr/>
-        </p:nvPicPr>
-        <p:blipFill>
-          <a:blip r:embed="rId8">
-            <a:extLst>
-              <a:ext uri="{28A0092B-C50C-407E-A947-70E740481C1C}">
-                <a14:useLocalDpi xmlns:a14="http://schemas.microsoft.com/office/drawing/2010/main" val="0"/>
-              </a:ext>
-            </a:extLst>
-          </a:blip>
-          <a:stretch>
-            <a:fillRect/>
-          </a:stretch>
-        </p:blipFill>
-        <p:spPr>
-          <a:xfrm>
-            <a:off x="9174677" y="5019518"/>
-            <a:ext cx="850382" cy="850382"/>
-          </a:xfrm>
-          <a:prstGeom prst="rect">
-            <a:avLst/>
-          </a:prstGeom>
-        </p:spPr>
-      </p:pic>
-      <p:pic>
-        <p:nvPicPr>
-          <p:cNvPr id="11" name="Image 10">
-            <a:extLst>
-              <a:ext uri="{FF2B5EF4-FFF2-40B4-BE49-F238E27FC236}">
-                <a16:creationId xmlns:a16="http://schemas.microsoft.com/office/drawing/2014/main" id="{8AD3A9C9-0523-4A43-BA53-02BDE087AB1E}"/>
-              </a:ext>
-            </a:extLst>
-          </p:cNvPr>
-          <p:cNvPicPr>
-            <a:picLocks noChangeAspect="1"/>
-          </p:cNvPicPr>
-          <p:nvPr/>
-        </p:nvPicPr>
-        <p:blipFill>
-          <a:blip r:embed="rId9">
-            <a:extLst>
-              <a:ext uri="{28A0092B-C50C-407E-A947-70E740481C1C}">
-                <a14:useLocalDpi xmlns:a14="http://schemas.microsoft.com/office/drawing/2010/main" val="0"/>
-              </a:ext>
-            </a:extLst>
-          </a:blip>
-          <a:stretch>
-            <a:fillRect/>
-          </a:stretch>
-        </p:blipFill>
-        <p:spPr>
-          <a:xfrm>
-            <a:off x="10222057" y="5024097"/>
-            <a:ext cx="850382" cy="850382"/>
+            <a:off x="1623036" y="970762"/>
+            <a:ext cx="8729853" cy="5862111"/>
           </a:xfrm>
           <a:prstGeom prst="rect">
             <a:avLst/>
@@ -7669,21 +8884,21 @@
     </p:spTree>
     <p:extLst>
       <p:ext uri="{BB962C8B-B14F-4D97-AF65-F5344CB8AC3E}">
-        <p14:creationId xmlns:p14="http://schemas.microsoft.com/office/powerpoint/2010/main" val="2149631933"/>
+        <p14:creationId xmlns:p14="http://schemas.microsoft.com/office/powerpoint/2010/main" val="849001700"/>
       </p:ext>
     </p:extLst>
   </p:cSld>
   <p:clrMapOvr>
     <a:masterClrMapping/>
   </p:clrMapOvr>
-  <mc:AlternateContent xmlns:mc="http://schemas.openxmlformats.org/markup-compatibility/2006" xmlns:p14="http://schemas.microsoft.com/office/powerpoint/2010/main">
-    <mc:Choice Requires="p14">
-      <p:transition spd="slow">
+  <mc:AlternateContent xmlns:mc="http://schemas.openxmlformats.org/markup-compatibility/2006">
+    <mc:Choice xmlns:p14="http://schemas.microsoft.com/office/powerpoint/2010/main" Requires="p14">
+      <p:transition spd="med">
         <p14:reveal/>
       </p:transition>
     </mc:Choice>
-    <mc:Fallback xmlns="">
-      <p:transition spd="slow">
+    <mc:Fallback>
+      <p:transition spd="med">
         <p:fade/>
       </p:transition>
     </mc:Fallback>
@@ -8122,12 +9337,212 @@
           </a:fontRef>
         </p:style>
       </p:cxnSp>
+      <p:sp>
+        <p:nvSpPr>
+          <p:cNvPr id="3" name="ZoneTexte 2">
+            <a:extLst>
+              <a:ext uri="{FF2B5EF4-FFF2-40B4-BE49-F238E27FC236}">
+                <a16:creationId xmlns:a16="http://schemas.microsoft.com/office/drawing/2014/main" id="{DCCD1615-1755-47F7-AF0B-75E932931245}"/>
+              </a:ext>
+            </a:extLst>
+          </p:cNvPr>
+          <p:cNvSpPr txBox="1"/>
+          <p:nvPr/>
+        </p:nvSpPr>
+        <p:spPr>
+          <a:xfrm>
+            <a:off x="1048878" y="2349004"/>
+            <a:ext cx="5888270" cy="1046440"/>
+          </a:xfrm>
+          <a:prstGeom prst="rect">
+            <a:avLst/>
+          </a:prstGeom>
+          <a:noFill/>
+        </p:spPr>
+        <p:txBody>
+          <a:bodyPr wrap="square" rtlCol="0">
+            <a:spAutoFit/>
+          </a:bodyPr>
+          <a:lstStyle/>
+          <a:p>
+            <a:r>
+              <a:rPr lang="fr-FR" sz="2400" dirty="0">
+                <a:latin typeface="Berlin Sans FB" panose="020E0602020502020306" pitchFamily="34" charset="0"/>
+              </a:rPr>
+              <a:t>Installation du serveur </a:t>
+            </a:r>
+            <a:r>
+              <a:rPr lang="fr-FR" sz="2400" dirty="0" err="1">
+                <a:latin typeface="Berlin Sans FB" panose="020E0602020502020306" pitchFamily="34" charset="0"/>
+              </a:rPr>
+              <a:t>Wamp</a:t>
+            </a:r>
+            <a:r>
+              <a:rPr lang="fr-FR" sz="2400" dirty="0">
+                <a:latin typeface="Berlin Sans FB" panose="020E0602020502020306" pitchFamily="34" charset="0"/>
+              </a:rPr>
+              <a:t> et de la BDD : </a:t>
+            </a:r>
+            <a:r>
+              <a:rPr lang="fr-FR" dirty="0">
+                <a:latin typeface="Berlin Sans FB" panose="020E0602020502020306" pitchFamily="34" charset="0"/>
+              </a:rPr>
+              <a:t>Collection des dernières mesures</a:t>
+            </a:r>
+          </a:p>
+          <a:p>
+            <a:endParaRPr lang="fr-FR" dirty="0">
+              <a:latin typeface="Berlin Sans FB" panose="020E0602020502020306" pitchFamily="34" charset="0"/>
+            </a:endParaRPr>
+          </a:p>
+        </p:txBody>
+      </p:sp>
+      <p:sp>
+        <p:nvSpPr>
+          <p:cNvPr id="9" name="ZoneTexte 8">
+            <a:extLst>
+              <a:ext uri="{FF2B5EF4-FFF2-40B4-BE49-F238E27FC236}">
+                <a16:creationId xmlns:a16="http://schemas.microsoft.com/office/drawing/2014/main" id="{82010251-0AD2-4DAA-8E6B-7CA6A2301A9E}"/>
+              </a:ext>
+            </a:extLst>
+          </p:cNvPr>
+          <p:cNvSpPr txBox="1"/>
+          <p:nvPr/>
+        </p:nvSpPr>
+        <p:spPr>
+          <a:xfrm>
+            <a:off x="2361082" y="1061143"/>
+            <a:ext cx="7253761" cy="769441"/>
+          </a:xfrm>
+          <a:prstGeom prst="rect">
+            <a:avLst/>
+          </a:prstGeom>
+          <a:noFill/>
+        </p:spPr>
+        <p:txBody>
+          <a:bodyPr wrap="square" rtlCol="0">
+            <a:spAutoFit/>
+          </a:bodyPr>
+          <a:lstStyle/>
+          <a:p>
+            <a:pPr algn="ctr"/>
+            <a:r>
+              <a:rPr lang="fr-FR" sz="4400" dirty="0">
+                <a:latin typeface="Berlin Sans FB" panose="020E0602020502020306" pitchFamily="34" charset="0"/>
+              </a:rPr>
+              <a:t>Partie Personnelle</a:t>
+            </a:r>
+          </a:p>
+        </p:txBody>
+      </p:sp>
+      <p:sp>
+        <p:nvSpPr>
+          <p:cNvPr id="5" name="ZoneTexte 4">
+            <a:extLst>
+              <a:ext uri="{FF2B5EF4-FFF2-40B4-BE49-F238E27FC236}">
+                <a16:creationId xmlns:a16="http://schemas.microsoft.com/office/drawing/2014/main" id="{97D75292-83FE-493B-B968-98B2458193D7}"/>
+              </a:ext>
+            </a:extLst>
+          </p:cNvPr>
+          <p:cNvSpPr txBox="1"/>
+          <p:nvPr/>
+        </p:nvSpPr>
+        <p:spPr>
+          <a:xfrm>
+            <a:off x="1048878" y="3555555"/>
+            <a:ext cx="6036724" cy="738664"/>
+          </a:xfrm>
+          <a:prstGeom prst="rect">
+            <a:avLst/>
+          </a:prstGeom>
+          <a:noFill/>
+        </p:spPr>
+        <p:txBody>
+          <a:bodyPr wrap="square" rtlCol="0">
+            <a:spAutoFit/>
+          </a:bodyPr>
+          <a:lstStyle/>
+          <a:p>
+            <a:r>
+              <a:rPr lang="fr-FR" sz="2400" dirty="0">
+                <a:latin typeface="Berlin Sans FB" panose="020E0602020502020306" pitchFamily="34" charset="0"/>
+              </a:rPr>
+              <a:t>Mise en place page </a:t>
+            </a:r>
+            <a:r>
+              <a:rPr lang="fr-FR" sz="2400" dirty="0" err="1">
+                <a:latin typeface="Berlin Sans FB" panose="020E0602020502020306" pitchFamily="34" charset="0"/>
+              </a:rPr>
+              <a:t>php</a:t>
+            </a:r>
+            <a:r>
+              <a:rPr lang="fr-FR" sz="2400" dirty="0">
+                <a:latin typeface="Berlin Sans FB" panose="020E0602020502020306" pitchFamily="34" charset="0"/>
+              </a:rPr>
+              <a:t> : </a:t>
+            </a:r>
+          </a:p>
+          <a:p>
+            <a:r>
+              <a:rPr lang="fr-FR" dirty="0">
+                <a:latin typeface="Berlin Sans FB" panose="020E0602020502020306" pitchFamily="34" charset="0"/>
+              </a:rPr>
+              <a:t>Visualisation de l'état en temps réel de la serre</a:t>
+            </a:r>
+          </a:p>
+        </p:txBody>
+      </p:sp>
+      <p:sp>
+        <p:nvSpPr>
+          <p:cNvPr id="2" name="ZoneTexte 1">
+            <a:extLst>
+              <a:ext uri="{FF2B5EF4-FFF2-40B4-BE49-F238E27FC236}">
+                <a16:creationId xmlns:a16="http://schemas.microsoft.com/office/drawing/2014/main" id="{2BC33ED4-BDF7-41A6-B497-0BDE14EDC326}"/>
+              </a:ext>
+            </a:extLst>
+          </p:cNvPr>
+          <p:cNvSpPr txBox="1"/>
+          <p:nvPr/>
+        </p:nvSpPr>
+        <p:spPr>
+          <a:xfrm>
+            <a:off x="1048878" y="4943471"/>
+            <a:ext cx="7633727" cy="738664"/>
+          </a:xfrm>
+          <a:prstGeom prst="rect">
+            <a:avLst/>
+          </a:prstGeom>
+          <a:noFill/>
+        </p:spPr>
+        <p:txBody>
+          <a:bodyPr wrap="square" rtlCol="0">
+            <a:spAutoFit/>
+          </a:bodyPr>
+          <a:lstStyle/>
+          <a:p>
+            <a:r>
+              <a:rPr lang="fr-FR" sz="2400" dirty="0">
+                <a:latin typeface="Berlin Sans FB" panose="020E0602020502020306" pitchFamily="34" charset="0"/>
+              </a:rPr>
+              <a:t>Mise en place de la boucle 4-20 mA (avec Willy) :</a:t>
+            </a:r>
+          </a:p>
+          <a:p>
+            <a:r>
+              <a:rPr lang="fr-FR" dirty="0">
+                <a:latin typeface="Berlin Sans FB" panose="020E0602020502020306" pitchFamily="34" charset="0"/>
+              </a:rPr>
+              <a:t>Acquérir la mesure température</a:t>
+            </a:r>
+          </a:p>
+        </p:txBody>
+      </p:sp>
       <p:pic>
         <p:nvPicPr>
-          <p:cNvPr id="2" name="Image 1">
-            <a:extLst>
-              <a:ext uri="{FF2B5EF4-FFF2-40B4-BE49-F238E27FC236}">
-                <a16:creationId xmlns:a16="http://schemas.microsoft.com/office/drawing/2014/main" id="{3689719D-30A8-4A64-BA60-84C605A6AA1F}"/>
+          <p:cNvPr id="4" name="Image 3">
+            <a:extLst>
+              <a:ext uri="{FF2B5EF4-FFF2-40B4-BE49-F238E27FC236}">
+                <a16:creationId xmlns:a16="http://schemas.microsoft.com/office/drawing/2014/main" id="{5BF45598-5F3E-4BBA-A0BA-D008DACED053}"/>
               </a:ext>
             </a:extLst>
           </p:cNvPr>
@@ -8144,74 +9559,620 @@
         </p:blipFill>
         <p:spPr>
           <a:xfrm>
-            <a:off x="1767913" y="1767187"/>
-            <a:ext cx="8440091" cy="4679940"/>
+            <a:off x="8596254" y="2315699"/>
+            <a:ext cx="870001" cy="862629"/>
           </a:xfrm>
           <a:prstGeom prst="rect">
             <a:avLst/>
           </a:prstGeom>
         </p:spPr>
       </p:pic>
-      <p:sp>
-        <p:nvSpPr>
-          <p:cNvPr id="3" name="ZoneTexte 2">
-            <a:extLst>
-              <a:ext uri="{FF2B5EF4-FFF2-40B4-BE49-F238E27FC236}">
-                <a16:creationId xmlns:a16="http://schemas.microsoft.com/office/drawing/2014/main" id="{B42B6033-DEE7-42EF-A187-7349D8040779}"/>
-              </a:ext>
-            </a:extLst>
-          </p:cNvPr>
-          <p:cNvSpPr txBox="1"/>
-          <p:nvPr/>
-        </p:nvSpPr>
-        <p:spPr>
-          <a:xfrm>
-            <a:off x="2529946" y="855741"/>
-            <a:ext cx="6916027" cy="769441"/>
+      <p:pic>
+        <p:nvPicPr>
+          <p:cNvPr id="7" name="Image 6">
+            <a:extLst>
+              <a:ext uri="{FF2B5EF4-FFF2-40B4-BE49-F238E27FC236}">
+                <a16:creationId xmlns:a16="http://schemas.microsoft.com/office/drawing/2014/main" id="{1EE86F43-EB9C-47AF-9159-70A323BBA8FC}"/>
+              </a:ext>
+            </a:extLst>
+          </p:cNvPr>
+          <p:cNvPicPr>
+            <a:picLocks noChangeAspect="1"/>
+          </p:cNvPicPr>
+          <p:nvPr/>
+        </p:nvPicPr>
+        <p:blipFill>
+          <a:blip r:embed="rId5">
+            <a:extLst>
+              <a:ext uri="{28A0092B-C50C-407E-A947-70E740481C1C}">
+                <a14:useLocalDpi xmlns:a14="http://schemas.microsoft.com/office/drawing/2010/main" val="0"/>
+              </a:ext>
+            </a:extLst>
+          </a:blip>
+          <a:stretch>
+            <a:fillRect/>
+          </a:stretch>
+        </p:blipFill>
+        <p:spPr>
+          <a:xfrm>
+            <a:off x="9541249" y="2328891"/>
+            <a:ext cx="1296501" cy="863823"/>
           </a:xfrm>
           <a:prstGeom prst="rect">
             <a:avLst/>
           </a:prstGeom>
-          <a:noFill/>
-        </p:spPr>
-        <p:txBody>
-          <a:bodyPr wrap="square" rtlCol="0">
-            <a:spAutoFit/>
-          </a:bodyPr>
-          <a:lstStyle/>
-          <a:p>
-            <a:pPr algn="ctr"/>
-            <a:r>
-              <a:rPr lang="fr-FR" sz="4400" dirty="0">
-                <a:latin typeface="Berlin Sans FB" panose="020E0602020502020306" pitchFamily="34" charset="0"/>
-              </a:rPr>
-              <a:t>Diagramme de séquence</a:t>
-            </a:r>
-          </a:p>
-        </p:txBody>
-      </p:sp>
+        </p:spPr>
+      </p:pic>
+      <p:pic>
+        <p:nvPicPr>
+          <p:cNvPr id="12" name="Image 11">
+            <a:extLst>
+              <a:ext uri="{FF2B5EF4-FFF2-40B4-BE49-F238E27FC236}">
+                <a16:creationId xmlns:a16="http://schemas.microsoft.com/office/drawing/2014/main" id="{1C693AD3-5E2B-421D-A28A-9610AB13AAD3}"/>
+              </a:ext>
+            </a:extLst>
+          </p:cNvPr>
+          <p:cNvPicPr>
+            <a:picLocks noChangeAspect="1"/>
+          </p:cNvPicPr>
+          <p:nvPr/>
+        </p:nvPicPr>
+        <p:blipFill>
+          <a:blip r:embed="rId6">
+            <a:extLst>
+              <a:ext uri="{28A0092B-C50C-407E-A947-70E740481C1C}">
+                <a14:useLocalDpi xmlns:a14="http://schemas.microsoft.com/office/drawing/2010/main" val="0"/>
+              </a:ext>
+            </a:extLst>
+          </a:blip>
+          <a:stretch>
+            <a:fillRect/>
+          </a:stretch>
+        </p:blipFill>
+        <p:spPr>
+          <a:xfrm>
+            <a:off x="8697006" y="3412184"/>
+            <a:ext cx="1901046" cy="1026565"/>
+          </a:xfrm>
+          <a:prstGeom prst="rect">
+            <a:avLst/>
+          </a:prstGeom>
+        </p:spPr>
+      </p:pic>
+      <p:pic>
+        <p:nvPicPr>
+          <p:cNvPr id="14" name="Image 13">
+            <a:extLst>
+              <a:ext uri="{FF2B5EF4-FFF2-40B4-BE49-F238E27FC236}">
+                <a16:creationId xmlns:a16="http://schemas.microsoft.com/office/drawing/2014/main" id="{77BA0B5B-ADD8-40C5-9EED-0346667934E8}"/>
+              </a:ext>
+            </a:extLst>
+          </p:cNvPr>
+          <p:cNvPicPr>
+            <a:picLocks noChangeAspect="1"/>
+          </p:cNvPicPr>
+          <p:nvPr/>
+        </p:nvPicPr>
+        <p:blipFill>
+          <a:blip r:embed="rId7">
+            <a:extLst>
+              <a:ext uri="{28A0092B-C50C-407E-A947-70E740481C1C}">
+                <a14:useLocalDpi xmlns:a14="http://schemas.microsoft.com/office/drawing/2010/main" val="0"/>
+              </a:ext>
+            </a:extLst>
+          </a:blip>
+          <a:stretch>
+            <a:fillRect/>
+          </a:stretch>
+        </p:blipFill>
+        <p:spPr>
+          <a:xfrm>
+            <a:off x="8040057" y="5007271"/>
+            <a:ext cx="862629" cy="862629"/>
+          </a:xfrm>
+          <a:prstGeom prst="rect">
+            <a:avLst/>
+          </a:prstGeom>
+        </p:spPr>
+      </p:pic>
+      <p:pic>
+        <p:nvPicPr>
+          <p:cNvPr id="17" name="Image 16">
+            <a:extLst>
+              <a:ext uri="{FF2B5EF4-FFF2-40B4-BE49-F238E27FC236}">
+                <a16:creationId xmlns:a16="http://schemas.microsoft.com/office/drawing/2014/main" id="{A0853A2B-0CFE-4727-A193-4EDFEC193A54}"/>
+              </a:ext>
+            </a:extLst>
+          </p:cNvPr>
+          <p:cNvPicPr>
+            <a:picLocks noChangeAspect="1"/>
+          </p:cNvPicPr>
+          <p:nvPr/>
+        </p:nvPicPr>
+        <p:blipFill>
+          <a:blip r:embed="rId8">
+            <a:extLst>
+              <a:ext uri="{28A0092B-C50C-407E-A947-70E740481C1C}">
+                <a14:useLocalDpi xmlns:a14="http://schemas.microsoft.com/office/drawing/2010/main" val="0"/>
+              </a:ext>
+            </a:extLst>
+          </a:blip>
+          <a:stretch>
+            <a:fillRect/>
+          </a:stretch>
+        </p:blipFill>
+        <p:spPr>
+          <a:xfrm>
+            <a:off x="9174677" y="5019518"/>
+            <a:ext cx="850382" cy="850382"/>
+          </a:xfrm>
+          <a:prstGeom prst="rect">
+            <a:avLst/>
+          </a:prstGeom>
+        </p:spPr>
+      </p:pic>
+      <p:pic>
+        <p:nvPicPr>
+          <p:cNvPr id="11" name="Image 10">
+            <a:extLst>
+              <a:ext uri="{FF2B5EF4-FFF2-40B4-BE49-F238E27FC236}">
+                <a16:creationId xmlns:a16="http://schemas.microsoft.com/office/drawing/2014/main" id="{8AD3A9C9-0523-4A43-BA53-02BDE087AB1E}"/>
+              </a:ext>
+            </a:extLst>
+          </p:cNvPr>
+          <p:cNvPicPr>
+            <a:picLocks noChangeAspect="1"/>
+          </p:cNvPicPr>
+          <p:nvPr/>
+        </p:nvPicPr>
+        <p:blipFill>
+          <a:blip r:embed="rId9">
+            <a:extLst>
+              <a:ext uri="{28A0092B-C50C-407E-A947-70E740481C1C}">
+                <a14:useLocalDpi xmlns:a14="http://schemas.microsoft.com/office/drawing/2010/main" val="0"/>
+              </a:ext>
+            </a:extLst>
+          </a:blip>
+          <a:stretch>
+            <a:fillRect/>
+          </a:stretch>
+        </p:blipFill>
+        <p:spPr>
+          <a:xfrm>
+            <a:off x="10222057" y="5024097"/>
+            <a:ext cx="850382" cy="850382"/>
+          </a:xfrm>
+          <a:prstGeom prst="rect">
+            <a:avLst/>
+          </a:prstGeom>
+        </p:spPr>
+      </p:pic>
     </p:spTree>
     <p:extLst>
       <p:ext uri="{BB962C8B-B14F-4D97-AF65-F5344CB8AC3E}">
-        <p14:creationId xmlns:p14="http://schemas.microsoft.com/office/powerpoint/2010/main" val="1212816885"/>
+        <p14:creationId xmlns:p14="http://schemas.microsoft.com/office/powerpoint/2010/main" val="2149631933"/>
       </p:ext>
     </p:extLst>
   </p:cSld>
   <p:clrMapOvr>
     <a:masterClrMapping/>
   </p:clrMapOvr>
-  <mc:AlternateContent xmlns:mc="http://schemas.openxmlformats.org/markup-compatibility/2006" xmlns:p14="http://schemas.microsoft.com/office/powerpoint/2010/main">
-    <mc:Choice Requires="p14">
-      <p:transition spd="slow">
+  <mc:AlternateContent xmlns:mc="http://schemas.openxmlformats.org/markup-compatibility/2006">
+    <mc:Choice xmlns:p14="http://schemas.microsoft.com/office/powerpoint/2010/main" Requires="p14">
+      <p:transition spd="med">
         <p14:reveal/>
       </p:transition>
     </mc:Choice>
-    <mc:Fallback xmlns="">
-      <p:transition spd="slow">
+    <mc:Fallback>
+      <p:transition spd="med">
         <p:fade/>
       </p:transition>
     </mc:Fallback>
   </mc:AlternateContent>
+  <p:timing>
+    <p:tnLst>
+      <p:par>
+        <p:cTn id="1" dur="indefinite" restart="never" nodeType="tmRoot">
+          <p:childTnLst>
+            <p:seq concurrent="1" nextAc="seek">
+              <p:cTn id="2" dur="indefinite" nodeType="mainSeq">
+                <p:childTnLst>
+                  <p:par>
+                    <p:cTn id="3" fill="hold">
+                      <p:stCondLst>
+                        <p:cond delay="indefinite"/>
+                      </p:stCondLst>
+                      <p:childTnLst>
+                        <p:par>
+                          <p:cTn id="4" fill="hold">
+                            <p:stCondLst>
+                              <p:cond delay="0"/>
+                            </p:stCondLst>
+                            <p:childTnLst>
+                              <p:par>
+                                <p:cTn id="5" presetID="10" presetClass="entr" presetSubtype="0" fill="hold" grpId="0" nodeType="clickEffect">
+                                  <p:stCondLst>
+                                    <p:cond delay="0"/>
+                                  </p:stCondLst>
+                                  <p:childTnLst>
+                                    <p:set>
+                                      <p:cBhvr>
+                                        <p:cTn id="6" dur="1" fill="hold">
+                                          <p:stCondLst>
+                                            <p:cond delay="0"/>
+                                          </p:stCondLst>
+                                        </p:cTn>
+                                        <p:tgtEl>
+                                          <p:spTgt spid="3"/>
+                                        </p:tgtEl>
+                                        <p:attrNameLst>
+                                          <p:attrName>style.visibility</p:attrName>
+                                        </p:attrNameLst>
+                                      </p:cBhvr>
+                                      <p:to>
+                                        <p:strVal val="visible"/>
+                                      </p:to>
+                                    </p:set>
+                                    <p:animEffect transition="in" filter="fade">
+                                      <p:cBhvr>
+                                        <p:cTn id="7" dur="500"/>
+                                        <p:tgtEl>
+                                          <p:spTgt spid="3"/>
+                                        </p:tgtEl>
+                                      </p:cBhvr>
+                                    </p:animEffect>
+                                  </p:childTnLst>
+                                </p:cTn>
+                              </p:par>
+                              <p:par>
+                                <p:cTn id="8" presetID="10" presetClass="entr" presetSubtype="0" fill="hold" nodeType="withEffect">
+                                  <p:stCondLst>
+                                    <p:cond delay="0"/>
+                                  </p:stCondLst>
+                                  <p:childTnLst>
+                                    <p:set>
+                                      <p:cBhvr>
+                                        <p:cTn id="9" dur="1" fill="hold">
+                                          <p:stCondLst>
+                                            <p:cond delay="0"/>
+                                          </p:stCondLst>
+                                        </p:cTn>
+                                        <p:tgtEl>
+                                          <p:spTgt spid="4"/>
+                                        </p:tgtEl>
+                                        <p:attrNameLst>
+                                          <p:attrName>style.visibility</p:attrName>
+                                        </p:attrNameLst>
+                                      </p:cBhvr>
+                                      <p:to>
+                                        <p:strVal val="visible"/>
+                                      </p:to>
+                                    </p:set>
+                                    <p:animEffect transition="in" filter="fade">
+                                      <p:cBhvr>
+                                        <p:cTn id="10" dur="500"/>
+                                        <p:tgtEl>
+                                          <p:spTgt spid="4"/>
+                                        </p:tgtEl>
+                                      </p:cBhvr>
+                                    </p:animEffect>
+                                  </p:childTnLst>
+                                </p:cTn>
+                              </p:par>
+                              <p:par>
+                                <p:cTn id="11" presetID="10" presetClass="entr" presetSubtype="0" fill="hold" nodeType="withEffect">
+                                  <p:stCondLst>
+                                    <p:cond delay="0"/>
+                                  </p:stCondLst>
+                                  <p:childTnLst>
+                                    <p:set>
+                                      <p:cBhvr>
+                                        <p:cTn id="12" dur="1" fill="hold">
+                                          <p:stCondLst>
+                                            <p:cond delay="0"/>
+                                          </p:stCondLst>
+                                        </p:cTn>
+                                        <p:tgtEl>
+                                          <p:spTgt spid="7"/>
+                                        </p:tgtEl>
+                                        <p:attrNameLst>
+                                          <p:attrName>style.visibility</p:attrName>
+                                        </p:attrNameLst>
+                                      </p:cBhvr>
+                                      <p:to>
+                                        <p:strVal val="visible"/>
+                                      </p:to>
+                                    </p:set>
+                                    <p:animEffect transition="in" filter="fade">
+                                      <p:cBhvr>
+                                        <p:cTn id="13" dur="500"/>
+                                        <p:tgtEl>
+                                          <p:spTgt spid="7"/>
+                                        </p:tgtEl>
+                                      </p:cBhvr>
+                                    </p:animEffect>
+                                  </p:childTnLst>
+                                </p:cTn>
+                              </p:par>
+                            </p:childTnLst>
+                          </p:cTn>
+                        </p:par>
+                      </p:childTnLst>
+                    </p:cTn>
+                  </p:par>
+                  <p:par>
+                    <p:cTn id="14" fill="hold">
+                      <p:stCondLst>
+                        <p:cond delay="indefinite"/>
+                      </p:stCondLst>
+                      <p:childTnLst>
+                        <p:par>
+                          <p:cTn id="15" fill="hold">
+                            <p:stCondLst>
+                              <p:cond delay="0"/>
+                            </p:stCondLst>
+                            <p:childTnLst>
+                              <p:par>
+                                <p:cTn id="16" presetID="10" presetClass="entr" presetSubtype="0" fill="hold" grpId="0" nodeType="clickEffect">
+                                  <p:stCondLst>
+                                    <p:cond delay="0"/>
+                                  </p:stCondLst>
+                                  <p:childTnLst>
+                                    <p:set>
+                                      <p:cBhvr>
+                                        <p:cTn id="17" dur="1" fill="hold">
+                                          <p:stCondLst>
+                                            <p:cond delay="0"/>
+                                          </p:stCondLst>
+                                        </p:cTn>
+                                        <p:tgtEl>
+                                          <p:spTgt spid="5"/>
+                                        </p:tgtEl>
+                                        <p:attrNameLst>
+                                          <p:attrName>style.visibility</p:attrName>
+                                        </p:attrNameLst>
+                                      </p:cBhvr>
+                                      <p:to>
+                                        <p:strVal val="visible"/>
+                                      </p:to>
+                                    </p:set>
+                                    <p:animEffect transition="in" filter="fade">
+                                      <p:cBhvr>
+                                        <p:cTn id="18" dur="500"/>
+                                        <p:tgtEl>
+                                          <p:spTgt spid="5"/>
+                                        </p:tgtEl>
+                                      </p:cBhvr>
+                                    </p:animEffect>
+                                  </p:childTnLst>
+                                </p:cTn>
+                              </p:par>
+                              <p:par>
+                                <p:cTn id="19" presetID="10" presetClass="entr" presetSubtype="0" fill="hold" nodeType="withEffect">
+                                  <p:stCondLst>
+                                    <p:cond delay="0"/>
+                                  </p:stCondLst>
+                                  <p:childTnLst>
+                                    <p:set>
+                                      <p:cBhvr>
+                                        <p:cTn id="20" dur="1" fill="hold">
+                                          <p:stCondLst>
+                                            <p:cond delay="0"/>
+                                          </p:stCondLst>
+                                        </p:cTn>
+                                        <p:tgtEl>
+                                          <p:spTgt spid="12"/>
+                                        </p:tgtEl>
+                                        <p:attrNameLst>
+                                          <p:attrName>style.visibility</p:attrName>
+                                        </p:attrNameLst>
+                                      </p:cBhvr>
+                                      <p:to>
+                                        <p:strVal val="visible"/>
+                                      </p:to>
+                                    </p:set>
+                                    <p:animEffect transition="in" filter="fade">
+                                      <p:cBhvr>
+                                        <p:cTn id="21" dur="500"/>
+                                        <p:tgtEl>
+                                          <p:spTgt spid="12"/>
+                                        </p:tgtEl>
+                                      </p:cBhvr>
+                                    </p:animEffect>
+                                  </p:childTnLst>
+                                </p:cTn>
+                              </p:par>
+                            </p:childTnLst>
+                          </p:cTn>
+                        </p:par>
+                      </p:childTnLst>
+                    </p:cTn>
+                  </p:par>
+                  <p:par>
+                    <p:cTn id="22" fill="hold">
+                      <p:stCondLst>
+                        <p:cond delay="indefinite"/>
+                      </p:stCondLst>
+                      <p:childTnLst>
+                        <p:par>
+                          <p:cTn id="23" fill="hold">
+                            <p:stCondLst>
+                              <p:cond delay="0"/>
+                            </p:stCondLst>
+                            <p:childTnLst>
+                              <p:par>
+                                <p:cTn id="24" presetID="10" presetClass="entr" presetSubtype="0" fill="hold" grpId="0" nodeType="clickEffect">
+                                  <p:stCondLst>
+                                    <p:cond delay="0"/>
+                                  </p:stCondLst>
+                                  <p:childTnLst>
+                                    <p:set>
+                                      <p:cBhvr>
+                                        <p:cTn id="25" dur="1" fill="hold">
+                                          <p:stCondLst>
+                                            <p:cond delay="0"/>
+                                          </p:stCondLst>
+                                        </p:cTn>
+                                        <p:tgtEl>
+                                          <p:spTgt spid="2"/>
+                                        </p:tgtEl>
+                                        <p:attrNameLst>
+                                          <p:attrName>style.visibility</p:attrName>
+                                        </p:attrNameLst>
+                                      </p:cBhvr>
+                                      <p:to>
+                                        <p:strVal val="visible"/>
+                                      </p:to>
+                                    </p:set>
+                                    <p:animEffect transition="in" filter="fade">
+                                      <p:cBhvr>
+                                        <p:cTn id="26" dur="500"/>
+                                        <p:tgtEl>
+                                          <p:spTgt spid="2"/>
+                                        </p:tgtEl>
+                                      </p:cBhvr>
+                                    </p:animEffect>
+                                  </p:childTnLst>
+                                </p:cTn>
+                              </p:par>
+                              <p:par>
+                                <p:cTn id="27" presetID="10" presetClass="entr" presetSubtype="0" fill="hold" nodeType="withEffect">
+                                  <p:stCondLst>
+                                    <p:cond delay="0"/>
+                                  </p:stCondLst>
+                                  <p:childTnLst>
+                                    <p:set>
+                                      <p:cBhvr>
+                                        <p:cTn id="28" dur="1" fill="hold">
+                                          <p:stCondLst>
+                                            <p:cond delay="0"/>
+                                          </p:stCondLst>
+                                        </p:cTn>
+                                        <p:tgtEl>
+                                          <p:spTgt spid="17"/>
+                                        </p:tgtEl>
+                                        <p:attrNameLst>
+                                          <p:attrName>style.visibility</p:attrName>
+                                        </p:attrNameLst>
+                                      </p:cBhvr>
+                                      <p:to>
+                                        <p:strVal val="visible"/>
+                                      </p:to>
+                                    </p:set>
+                                    <p:animEffect transition="in" filter="fade">
+                                      <p:cBhvr>
+                                        <p:cTn id="29" dur="500"/>
+                                        <p:tgtEl>
+                                          <p:spTgt spid="17"/>
+                                        </p:tgtEl>
+                                      </p:cBhvr>
+                                    </p:animEffect>
+                                  </p:childTnLst>
+                                </p:cTn>
+                              </p:par>
+                              <p:par>
+                                <p:cTn id="30" presetID="10" presetClass="entr" presetSubtype="0" fill="hold" nodeType="withEffect">
+                                  <p:stCondLst>
+                                    <p:cond delay="0"/>
+                                  </p:stCondLst>
+                                  <p:childTnLst>
+                                    <p:set>
+                                      <p:cBhvr>
+                                        <p:cTn id="31" dur="1" fill="hold">
+                                          <p:stCondLst>
+                                            <p:cond delay="0"/>
+                                          </p:stCondLst>
+                                        </p:cTn>
+                                        <p:tgtEl>
+                                          <p:spTgt spid="11"/>
+                                        </p:tgtEl>
+                                        <p:attrNameLst>
+                                          <p:attrName>style.visibility</p:attrName>
+                                        </p:attrNameLst>
+                                      </p:cBhvr>
+                                      <p:to>
+                                        <p:strVal val="visible"/>
+                                      </p:to>
+                                    </p:set>
+                                    <p:animEffect transition="in" filter="fade">
+                                      <p:cBhvr>
+                                        <p:cTn id="32" dur="500"/>
+                                        <p:tgtEl>
+                                          <p:spTgt spid="11"/>
+                                        </p:tgtEl>
+                                      </p:cBhvr>
+                                    </p:animEffect>
+                                  </p:childTnLst>
+                                </p:cTn>
+                              </p:par>
+                              <p:par>
+                                <p:cTn id="33" presetID="10" presetClass="entr" presetSubtype="0" fill="hold" nodeType="withEffect">
+                                  <p:stCondLst>
+                                    <p:cond delay="0"/>
+                                  </p:stCondLst>
+                                  <p:childTnLst>
+                                    <p:set>
+                                      <p:cBhvr>
+                                        <p:cTn id="34" dur="1" fill="hold">
+                                          <p:stCondLst>
+                                            <p:cond delay="0"/>
+                                          </p:stCondLst>
+                                        </p:cTn>
+                                        <p:tgtEl>
+                                          <p:spTgt spid="14"/>
+                                        </p:tgtEl>
+                                        <p:attrNameLst>
+                                          <p:attrName>style.visibility</p:attrName>
+                                        </p:attrNameLst>
+                                      </p:cBhvr>
+                                      <p:to>
+                                        <p:strVal val="visible"/>
+                                      </p:to>
+                                    </p:set>
+                                    <p:animEffect transition="in" filter="fade">
+                                      <p:cBhvr>
+                                        <p:cTn id="35" dur="500"/>
+                                        <p:tgtEl>
+                                          <p:spTgt spid="14"/>
+                                        </p:tgtEl>
+                                      </p:cBhvr>
+                                    </p:animEffect>
+                                  </p:childTnLst>
+                                </p:cTn>
+                              </p:par>
+                            </p:childTnLst>
+                          </p:cTn>
+                        </p:par>
+                      </p:childTnLst>
+                    </p:cTn>
+                  </p:par>
+                </p:childTnLst>
+              </p:cTn>
+              <p:prevCondLst>
+                <p:cond evt="onPrev" delay="0">
+                  <p:tgtEl>
+                    <p:sldTgt/>
+                  </p:tgtEl>
+                </p:cond>
+              </p:prevCondLst>
+              <p:nextCondLst>
+                <p:cond evt="onNext" delay="0">
+                  <p:tgtEl>
+                    <p:sldTgt/>
+                  </p:tgtEl>
+                </p:cond>
+              </p:nextCondLst>
+            </p:seq>
+          </p:childTnLst>
+        </p:cTn>
+      </p:par>
+    </p:tnLst>
+    <p:bldLst>
+      <p:bldP spid="3" grpId="0"/>
+      <p:bldP spid="5" grpId="0"/>
+      <p:bldP spid="2" grpId="0"/>
+    </p:bldLst>
+  </p:timing>
 </p:sld>
 </file>
 
@@ -8646,24 +10607,548 @@
           </a:fontRef>
         </p:style>
       </p:cxnSp>
+      <p:pic>
+        <p:nvPicPr>
+          <p:cNvPr id="2" name="Image 1">
+            <a:extLst>
+              <a:ext uri="{FF2B5EF4-FFF2-40B4-BE49-F238E27FC236}">
+                <a16:creationId xmlns:a16="http://schemas.microsoft.com/office/drawing/2014/main" id="{3689719D-30A8-4A64-BA60-84C605A6AA1F}"/>
+              </a:ext>
+            </a:extLst>
+          </p:cNvPr>
+          <p:cNvPicPr>
+            <a:picLocks noChangeAspect="1"/>
+          </p:cNvPicPr>
+          <p:nvPr/>
+        </p:nvPicPr>
+        <p:blipFill>
+          <a:blip r:embed="rId4"/>
+          <a:stretch>
+            <a:fillRect/>
+          </a:stretch>
+        </p:blipFill>
+        <p:spPr>
+          <a:xfrm>
+            <a:off x="1767913" y="1767187"/>
+            <a:ext cx="8440091" cy="4679940"/>
+          </a:xfrm>
+          <a:prstGeom prst="rect">
+            <a:avLst/>
+          </a:prstGeom>
+        </p:spPr>
+      </p:pic>
+      <p:sp>
+        <p:nvSpPr>
+          <p:cNvPr id="3" name="ZoneTexte 2">
+            <a:extLst>
+              <a:ext uri="{FF2B5EF4-FFF2-40B4-BE49-F238E27FC236}">
+                <a16:creationId xmlns:a16="http://schemas.microsoft.com/office/drawing/2014/main" id="{B42B6033-DEE7-42EF-A187-7349D8040779}"/>
+              </a:ext>
+            </a:extLst>
+          </p:cNvPr>
+          <p:cNvSpPr txBox="1"/>
+          <p:nvPr/>
+        </p:nvSpPr>
+        <p:spPr>
+          <a:xfrm>
+            <a:off x="2529946" y="855741"/>
+            <a:ext cx="6916027" cy="769441"/>
+          </a:xfrm>
+          <a:prstGeom prst="rect">
+            <a:avLst/>
+          </a:prstGeom>
+          <a:noFill/>
+        </p:spPr>
+        <p:txBody>
+          <a:bodyPr wrap="square" rtlCol="0">
+            <a:spAutoFit/>
+          </a:bodyPr>
+          <a:lstStyle/>
+          <a:p>
+            <a:pPr algn="ctr"/>
+            <a:r>
+              <a:rPr lang="fr-FR" sz="4400" dirty="0">
+                <a:latin typeface="Berlin Sans FB" panose="020E0602020502020306" pitchFamily="34" charset="0"/>
+              </a:rPr>
+              <a:t>Diagramme de séquence</a:t>
+            </a:r>
+          </a:p>
+        </p:txBody>
+      </p:sp>
     </p:spTree>
     <p:extLst>
       <p:ext uri="{BB962C8B-B14F-4D97-AF65-F5344CB8AC3E}">
-        <p14:creationId xmlns:p14="http://schemas.microsoft.com/office/powerpoint/2010/main" val="849001700"/>
+        <p14:creationId xmlns:p14="http://schemas.microsoft.com/office/powerpoint/2010/main" val="1212816885"/>
       </p:ext>
     </p:extLst>
   </p:cSld>
   <p:clrMapOvr>
     <a:masterClrMapping/>
   </p:clrMapOvr>
-  <mc:AlternateContent xmlns:mc="http://schemas.openxmlformats.org/markup-compatibility/2006" xmlns:p14="http://schemas.microsoft.com/office/powerpoint/2010/main">
-    <mc:Choice Requires="p14">
-      <p:transition spd="slow">
+  <mc:AlternateContent xmlns:mc="http://schemas.openxmlformats.org/markup-compatibility/2006">
+    <mc:Choice xmlns:p14="http://schemas.microsoft.com/office/powerpoint/2010/main" Requires="p14">
+      <p:transition spd="med">
         <p14:reveal/>
       </p:transition>
     </mc:Choice>
-    <mc:Fallback xmlns="">
-      <p:transition spd="slow">
+    <mc:Fallback>
+      <p:transition spd="med">
+        <p:fade/>
+      </p:transition>
+    </mc:Fallback>
+  </mc:AlternateContent>
+</p:sld>
+</file>
+
+<file path=ppt/slides/slide7.xml><?xml version="1.0" encoding="utf-8"?>
+<p:sld xmlns:a="http://schemas.openxmlformats.org/drawingml/2006/main" xmlns:r="http://schemas.openxmlformats.org/officeDocument/2006/relationships" xmlns:p="http://schemas.openxmlformats.org/presentationml/2006/main">
+  <p:cSld>
+    <p:spTree>
+      <p:nvGrpSpPr>
+        <p:cNvPr id="1" name=""/>
+        <p:cNvGrpSpPr/>
+        <p:nvPr/>
+      </p:nvGrpSpPr>
+      <p:grpSpPr>
+        <a:xfrm>
+          <a:off x="0" y="0"/>
+          <a:ext cx="0" cy="0"/>
+          <a:chOff x="0" y="0"/>
+          <a:chExt cx="0" cy="0"/>
+        </a:xfrm>
+      </p:grpSpPr>
+      <p:pic>
+        <p:nvPicPr>
+          <p:cNvPr id="8" name="Image 7">
+            <a:extLst>
+              <a:ext uri="{FF2B5EF4-FFF2-40B4-BE49-F238E27FC236}">
+                <a16:creationId xmlns:a16="http://schemas.microsoft.com/office/drawing/2014/main" id="{2BB825C5-31DA-4A56-85EA-536DBF510A31}"/>
+              </a:ext>
+            </a:extLst>
+          </p:cNvPr>
+          <p:cNvPicPr>
+            <a:picLocks noChangeAspect="1"/>
+          </p:cNvPicPr>
+          <p:nvPr/>
+        </p:nvPicPr>
+        <p:blipFill>
+          <a:blip r:embed="rId2">
+            <a:extLst>
+              <a:ext uri="{28A0092B-C50C-407E-A947-70E740481C1C}">
+                <a14:useLocalDpi xmlns:a14="http://schemas.microsoft.com/office/drawing/2010/main" val="0"/>
+              </a:ext>
+            </a:extLst>
+          </a:blip>
+          <a:stretch>
+            <a:fillRect/>
+          </a:stretch>
+        </p:blipFill>
+        <p:spPr>
+          <a:xfrm>
+            <a:off x="1068751" y="66457"/>
+            <a:ext cx="1259497" cy="776690"/>
+          </a:xfrm>
+          <a:prstGeom prst="rect">
+            <a:avLst/>
+          </a:prstGeom>
+        </p:spPr>
+      </p:pic>
+      <p:pic>
+        <p:nvPicPr>
+          <p:cNvPr id="10" name="Image 9">
+            <a:extLst>
+              <a:ext uri="{FF2B5EF4-FFF2-40B4-BE49-F238E27FC236}">
+                <a16:creationId xmlns:a16="http://schemas.microsoft.com/office/drawing/2014/main" id="{8EE7436F-49F2-41E0-93E4-D247B4705294}"/>
+              </a:ext>
+            </a:extLst>
+          </p:cNvPr>
+          <p:cNvPicPr>
+            <a:picLocks noChangeAspect="1"/>
+          </p:cNvPicPr>
+          <p:nvPr/>
+        </p:nvPicPr>
+        <p:blipFill>
+          <a:blip r:embed="rId3">
+            <a:extLst>
+              <a:ext uri="{28A0092B-C50C-407E-A947-70E740481C1C}">
+                <a14:useLocalDpi xmlns:a14="http://schemas.microsoft.com/office/drawing/2010/main" val="0"/>
+              </a:ext>
+            </a:extLst>
+          </a:blip>
+          <a:stretch>
+            <a:fillRect/>
+          </a:stretch>
+        </p:blipFill>
+        <p:spPr>
+          <a:xfrm>
+            <a:off x="9681085" y="238153"/>
+            <a:ext cx="1802101" cy="569807"/>
+          </a:xfrm>
+          <a:prstGeom prst="rect">
+            <a:avLst/>
+          </a:prstGeom>
+        </p:spPr>
+      </p:pic>
+      <p:cxnSp>
+        <p:nvCxnSpPr>
+          <p:cNvPr id="16" name="Connecteur droit 15">
+            <a:extLst>
+              <a:ext uri="{FF2B5EF4-FFF2-40B4-BE49-F238E27FC236}">
+                <a16:creationId xmlns:a16="http://schemas.microsoft.com/office/drawing/2014/main" id="{7319284A-BD6F-4A96-8E2B-E0A4B52E53C6}"/>
+              </a:ext>
+            </a:extLst>
+          </p:cNvPr>
+          <p:cNvCxnSpPr>
+            <a:cxnSpLocks/>
+          </p:cNvCxnSpPr>
+          <p:nvPr/>
+        </p:nvCxnSpPr>
+        <p:spPr>
+          <a:xfrm flipV="1">
+            <a:off x="0" y="454803"/>
+            <a:ext cx="738231" cy="1798"/>
+          </a:xfrm>
+          <a:prstGeom prst="line">
+            <a:avLst/>
+          </a:prstGeom>
+        </p:spPr>
+        <p:style>
+          <a:lnRef idx="3">
+            <a:schemeClr val="dk1"/>
+          </a:lnRef>
+          <a:fillRef idx="0">
+            <a:schemeClr val="dk1"/>
+          </a:fillRef>
+          <a:effectRef idx="2">
+            <a:schemeClr val="dk1"/>
+          </a:effectRef>
+          <a:fontRef idx="minor">
+            <a:schemeClr val="tx1"/>
+          </a:fontRef>
+        </p:style>
+      </p:cxnSp>
+      <p:cxnSp>
+        <p:nvCxnSpPr>
+          <p:cNvPr id="20" name="Connecteur droit 19">
+            <a:extLst>
+              <a:ext uri="{FF2B5EF4-FFF2-40B4-BE49-F238E27FC236}">
+                <a16:creationId xmlns:a16="http://schemas.microsoft.com/office/drawing/2014/main" id="{08874CF7-F149-4C81-B61E-74E18342BA8A}"/>
+              </a:ext>
+            </a:extLst>
+          </p:cNvPr>
+          <p:cNvCxnSpPr>
+            <a:cxnSpLocks/>
+          </p:cNvCxnSpPr>
+          <p:nvPr/>
+        </p:nvCxnSpPr>
+        <p:spPr>
+          <a:xfrm>
+            <a:off x="2573222" y="454803"/>
+            <a:ext cx="6829482" cy="10398"/>
+          </a:xfrm>
+          <a:prstGeom prst="line">
+            <a:avLst/>
+          </a:prstGeom>
+        </p:spPr>
+        <p:style>
+          <a:lnRef idx="3">
+            <a:schemeClr val="dk1"/>
+          </a:lnRef>
+          <a:fillRef idx="0">
+            <a:schemeClr val="dk1"/>
+          </a:fillRef>
+          <a:effectRef idx="2">
+            <a:schemeClr val="dk1"/>
+          </a:effectRef>
+          <a:fontRef idx="minor">
+            <a:schemeClr val="tx1"/>
+          </a:fontRef>
+        </p:style>
+      </p:cxnSp>
+      <p:cxnSp>
+        <p:nvCxnSpPr>
+          <p:cNvPr id="26" name="Connecteur droit 25">
+            <a:extLst>
+              <a:ext uri="{FF2B5EF4-FFF2-40B4-BE49-F238E27FC236}">
+                <a16:creationId xmlns:a16="http://schemas.microsoft.com/office/drawing/2014/main" id="{BB3B35CC-057B-48C1-880F-3306A6559175}"/>
+              </a:ext>
+            </a:extLst>
+          </p:cNvPr>
+          <p:cNvCxnSpPr>
+            <a:cxnSpLocks/>
+          </p:cNvCxnSpPr>
+          <p:nvPr/>
+        </p:nvCxnSpPr>
+        <p:spPr>
+          <a:xfrm>
+            <a:off x="738231" y="454803"/>
+            <a:ext cx="344203" cy="484764"/>
+          </a:xfrm>
+          <a:prstGeom prst="line">
+            <a:avLst/>
+          </a:prstGeom>
+        </p:spPr>
+        <p:style>
+          <a:lnRef idx="3">
+            <a:schemeClr val="dk1"/>
+          </a:lnRef>
+          <a:fillRef idx="0">
+            <a:schemeClr val="dk1"/>
+          </a:fillRef>
+          <a:effectRef idx="2">
+            <a:schemeClr val="dk1"/>
+          </a:effectRef>
+          <a:fontRef idx="minor">
+            <a:schemeClr val="tx1"/>
+          </a:fontRef>
+        </p:style>
+      </p:cxnSp>
+      <p:cxnSp>
+        <p:nvCxnSpPr>
+          <p:cNvPr id="32" name="Connecteur droit 31">
+            <a:extLst>
+              <a:ext uri="{FF2B5EF4-FFF2-40B4-BE49-F238E27FC236}">
+                <a16:creationId xmlns:a16="http://schemas.microsoft.com/office/drawing/2014/main" id="{4AD96496-1EB6-4E48-9BB2-5C255495C686}"/>
+              </a:ext>
+            </a:extLst>
+          </p:cNvPr>
+          <p:cNvCxnSpPr>
+            <a:cxnSpLocks/>
+          </p:cNvCxnSpPr>
+          <p:nvPr/>
+        </p:nvCxnSpPr>
+        <p:spPr>
+          <a:xfrm>
+            <a:off x="1082434" y="938268"/>
+            <a:ext cx="1146585" cy="0"/>
+          </a:xfrm>
+          <a:prstGeom prst="line">
+            <a:avLst/>
+          </a:prstGeom>
+        </p:spPr>
+        <p:style>
+          <a:lnRef idx="3">
+            <a:schemeClr val="dk1"/>
+          </a:lnRef>
+          <a:fillRef idx="0">
+            <a:schemeClr val="dk1"/>
+          </a:fillRef>
+          <a:effectRef idx="2">
+            <a:schemeClr val="dk1"/>
+          </a:effectRef>
+          <a:fontRef idx="minor">
+            <a:schemeClr val="tx1"/>
+          </a:fontRef>
+        </p:style>
+      </p:cxnSp>
+      <p:cxnSp>
+        <p:nvCxnSpPr>
+          <p:cNvPr id="51" name="Connecteur droit 50">
+            <a:extLst>
+              <a:ext uri="{FF2B5EF4-FFF2-40B4-BE49-F238E27FC236}">
+                <a16:creationId xmlns:a16="http://schemas.microsoft.com/office/drawing/2014/main" id="{C035BFA6-ECBF-4775-BA81-19D2CA41AA8D}"/>
+              </a:ext>
+            </a:extLst>
+          </p:cNvPr>
+          <p:cNvCxnSpPr>
+            <a:cxnSpLocks/>
+          </p:cNvCxnSpPr>
+          <p:nvPr/>
+        </p:nvCxnSpPr>
+        <p:spPr>
+          <a:xfrm>
+            <a:off x="9402704" y="465201"/>
+            <a:ext cx="344203" cy="495163"/>
+          </a:xfrm>
+          <a:prstGeom prst="line">
+            <a:avLst/>
+          </a:prstGeom>
+        </p:spPr>
+        <p:style>
+          <a:lnRef idx="3">
+            <a:schemeClr val="dk1"/>
+          </a:lnRef>
+          <a:fillRef idx="0">
+            <a:schemeClr val="dk1"/>
+          </a:fillRef>
+          <a:effectRef idx="2">
+            <a:schemeClr val="dk1"/>
+          </a:effectRef>
+          <a:fontRef idx="minor">
+            <a:schemeClr val="tx1"/>
+          </a:fontRef>
+        </p:style>
+      </p:cxnSp>
+      <p:cxnSp>
+        <p:nvCxnSpPr>
+          <p:cNvPr id="52" name="Connecteur droit 51">
+            <a:extLst>
+              <a:ext uri="{FF2B5EF4-FFF2-40B4-BE49-F238E27FC236}">
+                <a16:creationId xmlns:a16="http://schemas.microsoft.com/office/drawing/2014/main" id="{FA310BC7-694B-4984-99A2-61A1F4F6EBF9}"/>
+              </a:ext>
+            </a:extLst>
+          </p:cNvPr>
+          <p:cNvCxnSpPr>
+            <a:cxnSpLocks/>
+          </p:cNvCxnSpPr>
+          <p:nvPr/>
+        </p:nvCxnSpPr>
+        <p:spPr>
+          <a:xfrm flipH="1">
+            <a:off x="11370469" y="448308"/>
+            <a:ext cx="364332" cy="501657"/>
+          </a:xfrm>
+          <a:prstGeom prst="line">
+            <a:avLst/>
+          </a:prstGeom>
+        </p:spPr>
+        <p:style>
+          <a:lnRef idx="3">
+            <a:schemeClr val="dk1"/>
+          </a:lnRef>
+          <a:fillRef idx="0">
+            <a:schemeClr val="dk1"/>
+          </a:fillRef>
+          <a:effectRef idx="2">
+            <a:schemeClr val="dk1"/>
+          </a:effectRef>
+          <a:fontRef idx="minor">
+            <a:schemeClr val="tx1"/>
+          </a:fontRef>
+        </p:style>
+      </p:cxnSp>
+      <p:cxnSp>
+        <p:nvCxnSpPr>
+          <p:cNvPr id="53" name="Connecteur droit 52">
+            <a:extLst>
+              <a:ext uri="{FF2B5EF4-FFF2-40B4-BE49-F238E27FC236}">
+                <a16:creationId xmlns:a16="http://schemas.microsoft.com/office/drawing/2014/main" id="{BE0649BD-EE59-4DDA-960F-95B2572F9F13}"/>
+              </a:ext>
+            </a:extLst>
+          </p:cNvPr>
+          <p:cNvCxnSpPr>
+            <a:cxnSpLocks/>
+          </p:cNvCxnSpPr>
+          <p:nvPr/>
+        </p:nvCxnSpPr>
+        <p:spPr>
+          <a:xfrm>
+            <a:off x="9743203" y="949965"/>
+            <a:ext cx="1627266" cy="0"/>
+          </a:xfrm>
+          <a:prstGeom prst="line">
+            <a:avLst/>
+          </a:prstGeom>
+        </p:spPr>
+        <p:style>
+          <a:lnRef idx="3">
+            <a:schemeClr val="dk1"/>
+          </a:lnRef>
+          <a:fillRef idx="0">
+            <a:schemeClr val="dk1"/>
+          </a:fillRef>
+          <a:effectRef idx="2">
+            <a:schemeClr val="dk1"/>
+          </a:effectRef>
+          <a:fontRef idx="minor">
+            <a:schemeClr val="tx1"/>
+          </a:fontRef>
+        </p:style>
+      </p:cxnSp>
+      <p:cxnSp>
+        <p:nvCxnSpPr>
+          <p:cNvPr id="55" name="Connecteur droit 54">
+            <a:extLst>
+              <a:ext uri="{FF2B5EF4-FFF2-40B4-BE49-F238E27FC236}">
+                <a16:creationId xmlns:a16="http://schemas.microsoft.com/office/drawing/2014/main" id="{52AA9200-DAFA-4EEF-AC13-4C7CE82A59EC}"/>
+              </a:ext>
+            </a:extLst>
+          </p:cNvPr>
+          <p:cNvCxnSpPr>
+            <a:cxnSpLocks/>
+          </p:cNvCxnSpPr>
+          <p:nvPr/>
+        </p:nvCxnSpPr>
+        <p:spPr>
+          <a:xfrm>
+            <a:off x="11715750" y="454801"/>
+            <a:ext cx="476249" cy="10400"/>
+          </a:xfrm>
+          <a:prstGeom prst="line">
+            <a:avLst/>
+          </a:prstGeom>
+        </p:spPr>
+        <p:style>
+          <a:lnRef idx="3">
+            <a:schemeClr val="dk1"/>
+          </a:lnRef>
+          <a:fillRef idx="0">
+            <a:schemeClr val="dk1"/>
+          </a:fillRef>
+          <a:effectRef idx="2">
+            <a:schemeClr val="dk1"/>
+          </a:effectRef>
+          <a:fontRef idx="minor">
+            <a:schemeClr val="tx1"/>
+          </a:fontRef>
+        </p:style>
+      </p:cxnSp>
+      <p:cxnSp>
+        <p:nvCxnSpPr>
+          <p:cNvPr id="23" name="Connecteur droit 22">
+            <a:extLst>
+              <a:ext uri="{FF2B5EF4-FFF2-40B4-BE49-F238E27FC236}">
+                <a16:creationId xmlns:a16="http://schemas.microsoft.com/office/drawing/2014/main" id="{BCB092C8-0080-4E56-957E-0046D4C83988}"/>
+              </a:ext>
+            </a:extLst>
+          </p:cNvPr>
+          <p:cNvCxnSpPr>
+            <a:cxnSpLocks/>
+          </p:cNvCxnSpPr>
+          <p:nvPr/>
+        </p:nvCxnSpPr>
+        <p:spPr>
+          <a:xfrm flipH="1">
+            <a:off x="2216372" y="446356"/>
+            <a:ext cx="364332" cy="501657"/>
+          </a:xfrm>
+          <a:prstGeom prst="line">
+            <a:avLst/>
+          </a:prstGeom>
+        </p:spPr>
+        <p:style>
+          <a:lnRef idx="3">
+            <a:schemeClr val="dk1"/>
+          </a:lnRef>
+          <a:fillRef idx="0">
+            <a:schemeClr val="dk1"/>
+          </a:fillRef>
+          <a:effectRef idx="2">
+            <a:schemeClr val="dk1"/>
+          </a:effectRef>
+          <a:fontRef idx="minor">
+            <a:schemeClr val="tx1"/>
+          </a:fontRef>
+        </p:style>
+      </p:cxnSp>
+    </p:spTree>
+    <p:extLst>
+      <p:ext uri="{BB962C8B-B14F-4D97-AF65-F5344CB8AC3E}">
+        <p14:creationId xmlns:p14="http://schemas.microsoft.com/office/powerpoint/2010/main" val="2169865702"/>
+      </p:ext>
+    </p:extLst>
+  </p:cSld>
+  <p:clrMapOvr>
+    <a:masterClrMapping/>
+  </p:clrMapOvr>
+  <mc:AlternateContent xmlns:mc="http://schemas.openxmlformats.org/markup-compatibility/2006">
+    <mc:Choice xmlns:p14="http://schemas.microsoft.com/office/powerpoint/2010/main" Requires="p14">
+      <p:transition spd="med">
+        <p14:reveal/>
+      </p:transition>
+    </mc:Choice>
+    <mc:Fallback>
+      <p:transition spd="med">
         <p:fade/>
       </p:transition>
     </mc:Fallback>

--- a/oral_projet/revue_2/diaporama_revues_samuel.pptx
+++ b/oral_projet/revue_2/diaporama_revues_samuel.pptx
@@ -207,7 +207,7 @@
           <a:p>
             <a:fld id="{7BEC4371-174F-4615-858D-8B61BA547698}" type="datetimeFigureOut">
               <a:rPr lang="fr-FR" smtClean="0"/>
-              <a:t>08/02/2018</a:t>
+              <a:t>12/02/2018</a:t>
             </a:fld>
             <a:endParaRPr lang="fr-FR"/>
           </a:p>
@@ -621,7 +621,7 @@
           <a:p>
             <a:fld id="{125942D7-A464-4365-815E-3C7EAFC3F152}" type="datetimeFigureOut">
               <a:rPr lang="fr-FR" smtClean="0"/>
-              <a:t>08/02/2018</a:t>
+              <a:t>12/02/2018</a:t>
             </a:fld>
             <a:endParaRPr lang="fr-FR"/>
           </a:p>
@@ -831,7 +831,7 @@
           <a:p>
             <a:fld id="{125942D7-A464-4365-815E-3C7EAFC3F152}" type="datetimeFigureOut">
               <a:rPr lang="fr-FR" smtClean="0"/>
-              <a:t>08/02/2018</a:t>
+              <a:t>12/02/2018</a:t>
             </a:fld>
             <a:endParaRPr lang="fr-FR"/>
           </a:p>
@@ -1051,7 +1051,7 @@
           <a:p>
             <a:fld id="{125942D7-A464-4365-815E-3C7EAFC3F152}" type="datetimeFigureOut">
               <a:rPr lang="fr-FR" smtClean="0"/>
-              <a:t>08/02/2018</a:t>
+              <a:t>12/02/2018</a:t>
             </a:fld>
             <a:endParaRPr lang="fr-FR"/>
           </a:p>
@@ -1261,7 +1261,7 @@
           <a:p>
             <a:fld id="{125942D7-A464-4365-815E-3C7EAFC3F152}" type="datetimeFigureOut">
               <a:rPr lang="fr-FR" smtClean="0"/>
-              <a:t>08/02/2018</a:t>
+              <a:t>12/02/2018</a:t>
             </a:fld>
             <a:endParaRPr lang="fr-FR"/>
           </a:p>
@@ -1548,7 +1548,7 @@
           <a:p>
             <a:fld id="{125942D7-A464-4365-815E-3C7EAFC3F152}" type="datetimeFigureOut">
               <a:rPr lang="fr-FR" smtClean="0"/>
-              <a:t>08/02/2018</a:t>
+              <a:t>12/02/2018</a:t>
             </a:fld>
             <a:endParaRPr lang="fr-FR"/>
           </a:p>
@@ -1825,7 +1825,7 @@
           <a:p>
             <a:fld id="{125942D7-A464-4365-815E-3C7EAFC3F152}" type="datetimeFigureOut">
               <a:rPr lang="fr-FR" smtClean="0"/>
-              <a:t>08/02/2018</a:t>
+              <a:t>12/02/2018</a:t>
             </a:fld>
             <a:endParaRPr lang="fr-FR"/>
           </a:p>
@@ -2249,7 +2249,7 @@
           <a:p>
             <a:fld id="{125942D7-A464-4365-815E-3C7EAFC3F152}" type="datetimeFigureOut">
               <a:rPr lang="fr-FR" smtClean="0"/>
-              <a:t>08/02/2018</a:t>
+              <a:t>12/02/2018</a:t>
             </a:fld>
             <a:endParaRPr lang="fr-FR"/>
           </a:p>
@@ -2402,7 +2402,7 @@
           <a:p>
             <a:fld id="{125942D7-A464-4365-815E-3C7EAFC3F152}" type="datetimeFigureOut">
               <a:rPr lang="fr-FR" smtClean="0"/>
-              <a:t>08/02/2018</a:t>
+              <a:t>12/02/2018</a:t>
             </a:fld>
             <a:endParaRPr lang="fr-FR"/>
           </a:p>
@@ -2527,7 +2527,7 @@
           <a:p>
             <a:fld id="{125942D7-A464-4365-815E-3C7EAFC3F152}" type="datetimeFigureOut">
               <a:rPr lang="fr-FR" smtClean="0"/>
-              <a:t>08/02/2018</a:t>
+              <a:t>12/02/2018</a:t>
             </a:fld>
             <a:endParaRPr lang="fr-FR"/>
           </a:p>
@@ -2850,7 +2850,7 @@
           <a:p>
             <a:fld id="{125942D7-A464-4365-815E-3C7EAFC3F152}" type="datetimeFigureOut">
               <a:rPr lang="fr-FR" smtClean="0"/>
-              <a:t>08/02/2018</a:t>
+              <a:t>12/02/2018</a:t>
             </a:fld>
             <a:endParaRPr lang="fr-FR"/>
           </a:p>
@@ -3150,7 +3150,7 @@
           <a:p>
             <a:fld id="{125942D7-A464-4365-815E-3C7EAFC3F152}" type="datetimeFigureOut">
               <a:rPr lang="fr-FR" smtClean="0"/>
-              <a:t>08/02/2018</a:t>
+              <a:t>12/02/2018</a:t>
             </a:fld>
             <a:endParaRPr lang="fr-FR"/>
           </a:p>
@@ -3403,7 +3403,7 @@
           <a:p>
             <a:fld id="{125942D7-A464-4365-815E-3C7EAFC3F152}" type="datetimeFigureOut">
               <a:rPr lang="fr-FR" smtClean="0"/>
-              <a:t>08/02/2018</a:t>
+              <a:t>12/02/2018</a:t>
             </a:fld>
             <a:endParaRPr lang="fr-FR"/>
           </a:p>
@@ -4513,13 +4513,13 @@
   <p:clrMapOvr>
     <a:masterClrMapping/>
   </p:clrMapOvr>
-  <mc:AlternateContent xmlns:mc="http://schemas.openxmlformats.org/markup-compatibility/2006">
-    <mc:Choice xmlns:p14="http://schemas.microsoft.com/office/powerpoint/2010/main" Requires="p14">
+  <mc:AlternateContent xmlns:mc="http://schemas.openxmlformats.org/markup-compatibility/2006" xmlns:p14="http://schemas.microsoft.com/office/powerpoint/2010/main">
+    <mc:Choice Requires="p14">
       <p:transition>
         <p14:reveal/>
       </p:transition>
     </mc:Choice>
-    <mc:Fallback>
+    <mc:Fallback xmlns="">
       <p:transition>
         <p:fade/>
       </p:transition>
@@ -5829,13 +5829,13 @@
   <p:clrMapOvr>
     <a:masterClrMapping/>
   </p:clrMapOvr>
-  <mc:AlternateContent xmlns:mc="http://schemas.openxmlformats.org/markup-compatibility/2006">
-    <mc:Choice xmlns:p14="http://schemas.microsoft.com/office/powerpoint/2010/main" Requires="p14">
+  <mc:AlternateContent xmlns:mc="http://schemas.openxmlformats.org/markup-compatibility/2006" xmlns:p14="http://schemas.microsoft.com/office/powerpoint/2010/main">
+    <mc:Choice Requires="p14">
       <p:transition spd="med">
         <p14:reveal/>
       </p:transition>
     </mc:Choice>
-    <mc:Fallback>
+    <mc:Fallback xmlns="">
       <p:transition spd="med">
         <p:fade/>
       </p:transition>
@@ -7871,13 +7871,13 @@
   <p:clrMapOvr>
     <a:masterClrMapping/>
   </p:clrMapOvr>
-  <mc:AlternateContent xmlns:mc="http://schemas.openxmlformats.org/markup-compatibility/2006">
-    <mc:Choice xmlns:p14="http://schemas.microsoft.com/office/powerpoint/2010/main" Requires="p14">
+  <mc:AlternateContent xmlns:mc="http://schemas.openxmlformats.org/markup-compatibility/2006" xmlns:p14="http://schemas.microsoft.com/office/powerpoint/2010/main">
+    <mc:Choice Requires="p14">
       <p:transition spd="med">
         <p14:reveal/>
       </p:transition>
     </mc:Choice>
-    <mc:Fallback>
+    <mc:Fallback xmlns="">
       <p:transition spd="med">
         <p:fade/>
       </p:transition>
@@ -8433,10 +8433,10 @@
       </p:grpSpPr>
       <p:pic>
         <p:nvPicPr>
-          <p:cNvPr id="8" name="Image 7">
-            <a:extLst>
-              <a:ext uri="{FF2B5EF4-FFF2-40B4-BE49-F238E27FC236}">
-                <a16:creationId xmlns:a16="http://schemas.microsoft.com/office/drawing/2014/main" id="{2BB825C5-31DA-4A56-85EA-536DBF510A31}"/>
+          <p:cNvPr id="3" name="Image 2">
+            <a:extLst>
+              <a:ext uri="{FF2B5EF4-FFF2-40B4-BE49-F238E27FC236}">
+                <a16:creationId xmlns:a16="http://schemas.microsoft.com/office/drawing/2014/main" id="{C7DF2F12-91E1-4BCA-89A8-43D445D0EA5A}"/>
               </a:ext>
             </a:extLst>
           </p:cNvPr>
@@ -8459,6 +8459,42 @@
         </p:blipFill>
         <p:spPr>
           <a:xfrm>
+            <a:off x="1623036" y="757736"/>
+            <a:ext cx="8729853" cy="5862111"/>
+          </a:xfrm>
+          <a:prstGeom prst="rect">
+            <a:avLst/>
+          </a:prstGeom>
+        </p:spPr>
+      </p:pic>
+      <p:pic>
+        <p:nvPicPr>
+          <p:cNvPr id="8" name="Image 7">
+            <a:extLst>
+              <a:ext uri="{FF2B5EF4-FFF2-40B4-BE49-F238E27FC236}">
+                <a16:creationId xmlns:a16="http://schemas.microsoft.com/office/drawing/2014/main" id="{2BB825C5-31DA-4A56-85EA-536DBF510A31}"/>
+              </a:ext>
+            </a:extLst>
+          </p:cNvPr>
+          <p:cNvPicPr>
+            <a:picLocks noChangeAspect="1"/>
+          </p:cNvPicPr>
+          <p:nvPr/>
+        </p:nvPicPr>
+        <p:blipFill>
+          <a:blip r:embed="rId3">
+            <a:extLst>
+              <a:ext uri="{28A0092B-C50C-407E-A947-70E740481C1C}">
+                <a14:useLocalDpi xmlns:a14="http://schemas.microsoft.com/office/drawing/2010/main" val="0"/>
+              </a:ext>
+            </a:extLst>
+          </a:blip>
+          <a:stretch>
+            <a:fillRect/>
+          </a:stretch>
+        </p:blipFill>
+        <p:spPr>
+          <a:xfrm>
             <a:off x="1068751" y="66457"/>
             <a:ext cx="1259497" cy="776690"/>
           </a:xfrm>
@@ -8482,7 +8518,7 @@
           <p:nvPr/>
         </p:nvPicPr>
         <p:blipFill>
-          <a:blip r:embed="rId3">
+          <a:blip r:embed="rId4">
             <a:extLst>
               <a:ext uri="{28A0092B-C50C-407E-A947-70E740481C1C}">
                 <a14:useLocalDpi xmlns:a14="http://schemas.microsoft.com/office/drawing/2010/main" val="0"/>
@@ -8845,42 +8881,40 @@
           </a:fontRef>
         </p:style>
       </p:cxnSp>
-      <p:pic>
-        <p:nvPicPr>
-          <p:cNvPr id="3" name="Image 2">
-            <a:extLst>
-              <a:ext uri="{FF2B5EF4-FFF2-40B4-BE49-F238E27FC236}">
-                <a16:creationId xmlns:a16="http://schemas.microsoft.com/office/drawing/2014/main" id="{C7DF2F12-91E1-4BCA-89A8-43D445D0EA5A}"/>
-              </a:ext>
-            </a:extLst>
-          </p:cNvPr>
-          <p:cNvPicPr>
-            <a:picLocks noChangeAspect="1"/>
-          </p:cNvPicPr>
-          <p:nvPr/>
-        </p:nvPicPr>
-        <p:blipFill>
-          <a:blip r:embed="rId4">
-            <a:extLst>
-              <a:ext uri="{28A0092B-C50C-407E-A947-70E740481C1C}">
-                <a14:useLocalDpi xmlns:a14="http://schemas.microsoft.com/office/drawing/2010/main" val="0"/>
-              </a:ext>
-            </a:extLst>
-          </a:blip>
-          <a:stretch>
-            <a:fillRect/>
-          </a:stretch>
-        </p:blipFill>
-        <p:spPr>
-          <a:xfrm>
-            <a:off x="1623036" y="970762"/>
-            <a:ext cx="8729853" cy="5862111"/>
+      <p:sp>
+        <p:nvSpPr>
+          <p:cNvPr id="2" name="ZoneTexte 1">
+            <a:extLst>
+              <a:ext uri="{FF2B5EF4-FFF2-40B4-BE49-F238E27FC236}">
+                <a16:creationId xmlns:a16="http://schemas.microsoft.com/office/drawing/2014/main" id="{CC47949D-74E1-4D26-A2CB-A300E4C566A8}"/>
+              </a:ext>
+            </a:extLst>
+          </p:cNvPr>
+          <p:cNvSpPr txBox="1"/>
+          <p:nvPr/>
+        </p:nvSpPr>
+        <p:spPr>
+          <a:xfrm>
+            <a:off x="4074196" y="752619"/>
+            <a:ext cx="3238151" cy="484765"/>
           </a:xfrm>
           <a:prstGeom prst="rect">
             <a:avLst/>
           </a:prstGeom>
-        </p:spPr>
-      </p:pic>
+          <a:solidFill>
+            <a:schemeClr val="bg1"/>
+          </a:solidFill>
+        </p:spPr>
+        <p:txBody>
+          <a:bodyPr wrap="square" rtlCol="0">
+            <a:spAutoFit/>
+          </a:bodyPr>
+          <a:lstStyle/>
+          <a:p>
+            <a:endParaRPr lang="fr-FR" dirty="0"/>
+          </a:p>
+        </p:txBody>
+      </p:sp>
     </p:spTree>
     <p:extLst>
       <p:ext uri="{BB962C8B-B14F-4D97-AF65-F5344CB8AC3E}">
@@ -8891,13 +8925,13 @@
   <p:clrMapOvr>
     <a:masterClrMapping/>
   </p:clrMapOvr>
-  <mc:AlternateContent xmlns:mc="http://schemas.openxmlformats.org/markup-compatibility/2006">
-    <mc:Choice xmlns:p14="http://schemas.microsoft.com/office/powerpoint/2010/main" Requires="p14">
+  <mc:AlternateContent xmlns:mc="http://schemas.openxmlformats.org/markup-compatibility/2006" xmlns:p14="http://schemas.microsoft.com/office/powerpoint/2010/main">
+    <mc:Choice Requires="p14">
       <p:transition spd="med">
         <p14:reveal/>
       </p:transition>
     </mc:Choice>
-    <mc:Fallback>
+    <mc:Fallback xmlns="">
       <p:transition spd="med">
         <p:fade/>
       </p:transition>
@@ -9757,13 +9791,13 @@
   <p:clrMapOvr>
     <a:masterClrMapping/>
   </p:clrMapOvr>
-  <mc:AlternateContent xmlns:mc="http://schemas.openxmlformats.org/markup-compatibility/2006">
-    <mc:Choice xmlns:p14="http://schemas.microsoft.com/office/powerpoint/2010/main" Requires="p14">
+  <mc:AlternateContent xmlns:mc="http://schemas.openxmlformats.org/markup-compatibility/2006" xmlns:p14="http://schemas.microsoft.com/office/powerpoint/2010/main">
+    <mc:Choice Requires="p14">
       <p:transition spd="med">
         <p14:reveal/>
       </p:transition>
     </mc:Choice>
-    <mc:Fallback>
+    <mc:Fallback xmlns="">
       <p:transition spd="med">
         <p:fade/>
       </p:transition>
@@ -10685,13 +10719,13 @@
   <p:clrMapOvr>
     <a:masterClrMapping/>
   </p:clrMapOvr>
-  <mc:AlternateContent xmlns:mc="http://schemas.openxmlformats.org/markup-compatibility/2006">
-    <mc:Choice xmlns:p14="http://schemas.microsoft.com/office/powerpoint/2010/main" Requires="p14">
+  <mc:AlternateContent xmlns:mc="http://schemas.openxmlformats.org/markup-compatibility/2006" xmlns:p14="http://schemas.microsoft.com/office/powerpoint/2010/main">
+    <mc:Choice Requires="p14">
       <p:transition spd="med">
         <p14:reveal/>
       </p:transition>
     </mc:Choice>
-    <mc:Fallback>
+    <mc:Fallback xmlns="">
       <p:transition spd="med">
         <p:fade/>
       </p:transition>
@@ -11141,13 +11175,13 @@
   <p:clrMapOvr>
     <a:masterClrMapping/>
   </p:clrMapOvr>
-  <mc:AlternateContent xmlns:mc="http://schemas.openxmlformats.org/markup-compatibility/2006">
-    <mc:Choice xmlns:p14="http://schemas.microsoft.com/office/powerpoint/2010/main" Requires="p14">
+  <mc:AlternateContent xmlns:mc="http://schemas.openxmlformats.org/markup-compatibility/2006" xmlns:p14="http://schemas.microsoft.com/office/powerpoint/2010/main">
+    <mc:Choice Requires="p14">
       <p:transition spd="med">
         <p14:reveal/>
       </p:transition>
     </mc:Choice>
-    <mc:Fallback>
+    <mc:Fallback xmlns="">
       <p:transition spd="med">
         <p:fade/>
       </p:transition>

--- a/oral_projet/revue_2/diaporama_revues_samuel.pptx
+++ b/oral_projet/revue_2/diaporama_revues_samuel.pptx
@@ -9675,10 +9675,10 @@
       </p:pic>
       <p:pic>
         <p:nvPicPr>
-          <p:cNvPr id="14" name="Image 13">
-            <a:extLst>
-              <a:ext uri="{FF2B5EF4-FFF2-40B4-BE49-F238E27FC236}">
-                <a16:creationId xmlns:a16="http://schemas.microsoft.com/office/drawing/2014/main" id="{77BA0B5B-ADD8-40C5-9EED-0346667934E8}"/>
+          <p:cNvPr id="17" name="Image 16">
+            <a:extLst>
+              <a:ext uri="{FF2B5EF4-FFF2-40B4-BE49-F238E27FC236}">
+                <a16:creationId xmlns:a16="http://schemas.microsoft.com/office/drawing/2014/main" id="{A0853A2B-0CFE-4727-A193-4EDFEC193A54}"/>
               </a:ext>
             </a:extLst>
           </p:cNvPr>
@@ -9701,8 +9701,8 @@
         </p:blipFill>
         <p:spPr>
           <a:xfrm>
-            <a:off x="8040057" y="5007271"/>
-            <a:ext cx="862629" cy="862629"/>
+            <a:off x="9174677" y="5019518"/>
+            <a:ext cx="850382" cy="850382"/>
           </a:xfrm>
           <a:prstGeom prst="rect">
             <a:avLst/>
@@ -9711,10 +9711,10 @@
       </p:pic>
       <p:pic>
         <p:nvPicPr>
-          <p:cNvPr id="17" name="Image 16">
-            <a:extLst>
-              <a:ext uri="{FF2B5EF4-FFF2-40B4-BE49-F238E27FC236}">
-                <a16:creationId xmlns:a16="http://schemas.microsoft.com/office/drawing/2014/main" id="{A0853A2B-0CFE-4727-A193-4EDFEC193A54}"/>
+          <p:cNvPr id="11" name="Image 10">
+            <a:extLst>
+              <a:ext uri="{FF2B5EF4-FFF2-40B4-BE49-F238E27FC236}">
+                <a16:creationId xmlns:a16="http://schemas.microsoft.com/office/drawing/2014/main" id="{8AD3A9C9-0523-4A43-BA53-02BDE087AB1E}"/>
               </a:ext>
             </a:extLst>
           </p:cNvPr>
@@ -9737,7 +9737,7 @@
         </p:blipFill>
         <p:spPr>
           <a:xfrm>
-            <a:off x="9174677" y="5019518"/>
+            <a:off x="10222057" y="5024097"/>
             <a:ext cx="850382" cy="850382"/>
           </a:xfrm>
           <a:prstGeom prst="rect">
@@ -9747,10 +9747,10 @@
       </p:pic>
       <p:pic>
         <p:nvPicPr>
-          <p:cNvPr id="11" name="Image 10">
-            <a:extLst>
-              <a:ext uri="{FF2B5EF4-FFF2-40B4-BE49-F238E27FC236}">
-                <a16:creationId xmlns:a16="http://schemas.microsoft.com/office/drawing/2014/main" id="{8AD3A9C9-0523-4A43-BA53-02BDE087AB1E}"/>
+          <p:cNvPr id="13" name="Image 12">
+            <a:extLst>
+              <a:ext uri="{FF2B5EF4-FFF2-40B4-BE49-F238E27FC236}">
+                <a16:creationId xmlns:a16="http://schemas.microsoft.com/office/drawing/2014/main" id="{6ECCE392-4449-4FA5-9C84-46180EE9B8CD}"/>
               </a:ext>
             </a:extLst>
           </p:cNvPr>
@@ -9773,8 +9773,8 @@
         </p:blipFill>
         <p:spPr>
           <a:xfrm>
-            <a:off x="10222057" y="5024097"/>
-            <a:ext cx="850382" cy="850382"/>
+            <a:off x="8115050" y="5019518"/>
+            <a:ext cx="862629" cy="862629"/>
           </a:xfrm>
           <a:prstGeom prst="rect">
             <a:avLst/>
@@ -10133,41 +10133,6 @@
                                         <p:cTn id="32" dur="500"/>
                                         <p:tgtEl>
                                           <p:spTgt spid="11"/>
-                                        </p:tgtEl>
-                                      </p:cBhvr>
-                                    </p:animEffect>
-                                  </p:childTnLst>
-                                </p:cTn>
-                              </p:par>
-                              <p:par>
-                                <p:cTn id="33" presetID="10" presetClass="entr" presetSubtype="0" fill="hold" nodeType="withEffect">
-                                  <p:stCondLst>
-                                    <p:cond delay="0"/>
-                                  </p:stCondLst>
-                                  <p:childTnLst>
-                                    <p:set>
-                                      <p:cBhvr>
-                                        <p:cTn id="34" dur="1" fill="hold">
-                                          <p:stCondLst>
-                                            <p:cond delay="0"/>
-                                          </p:stCondLst>
-                                        </p:cTn>
-                                        <p:tgtEl>
-                                          <p:spTgt spid="14"/>
-                                        </p:tgtEl>
-                                        <p:attrNameLst>
-                                          <p:attrName>style.visibility</p:attrName>
-                                        </p:attrNameLst>
-                                      </p:cBhvr>
-                                      <p:to>
-                                        <p:strVal val="visible"/>
-                                      </p:to>
-                                    </p:set>
-                                    <p:animEffect transition="in" filter="fade">
-                                      <p:cBhvr>
-                                        <p:cTn id="35" dur="500"/>
-                                        <p:tgtEl>
-                                          <p:spTgt spid="14"/>
                                         </p:tgtEl>
                                       </p:cBhvr>
                                     </p:animEffect>
